--- a/presentations/powerpoint/block1-presentation.pptx
+++ b/presentations/powerpoint/block1-presentation.pptx
@@ -4,17 +4,19 @@
   <p:sldMasterIdLst>
     <p:sldMasterId id="2147483661" r:id="rId1"/>
   </p:sldMasterIdLst>
+  <p:notesMasterIdLst>
+    <p:notesMasterId r:id="rId11"/>
+  </p:notesMasterIdLst>
   <p:sldIdLst>
-    <p:sldId id="256" r:id="rId6"/>
-    <p:sldId id="257" r:id="rId8"/>
-    <p:sldId id="258" r:id="rId9"/>
-    <p:sldId id="259" r:id="rId10"/>
-    <p:sldId id="260" r:id="rId11"/>
-    <p:sldId id="261" r:id="rId12"/>
-    <p:sldId id="262" r:id="rId13"/>
-    <p:sldId id="263" r:id="rId14"/>
-    <p:sldId id="264" r:id="rId15"/>
-    <p:sldId id="265" r:id="rId16"/>
+    <p:sldId id="256" r:id="rId2"/>
+    <p:sldId id="257" r:id="rId3"/>
+    <p:sldId id="258" r:id="rId4"/>
+    <p:sldId id="259" r:id="rId5"/>
+    <p:sldId id="260" r:id="rId6"/>
+    <p:sldId id="261" r:id="rId7"/>
+    <p:sldId id="262" r:id="rId8"/>
+    <p:sldId id="263" r:id="rId9"/>
+    <p:sldId id="264" r:id="rId10"/>
   </p:sldIdLst>
   <p:sldSz cx="12192000" cy="6858000"/>
   <p:notesSz cx="6858000" cy="9144000"/>
@@ -122,7 +124,7 @@
 </file>
 
 <file path=ppt/notesMasters/notesMaster1.xml><?xml version="1.0" encoding="utf-8"?>
-<p:notesMaster xmlns:a="http://schemas.openxmlformats.org/drawingml/2006/main" xmlns:p="http://schemas.openxmlformats.org/presentationml/2006/main" xmlns:r="http://schemas.openxmlformats.org/officeDocument/2006/relationships">
+<p:notesMaster xmlns:a="http://schemas.openxmlformats.org/drawingml/2006/main" xmlns:r="http://schemas.openxmlformats.org/officeDocument/2006/relationships" xmlns:p="http://schemas.openxmlformats.org/presentationml/2006/main">
   <p:cSld>
     <p:bg>
       <p:bgRef idx="1001">
@@ -143,241 +145,16 @@
           <a:chExt cx="0" cy="0"/>
         </a:xfrm>
       </p:grpSpPr>
-      <p:sp>
-        <p:nvSpPr>
-          <p:cNvPr id="2" name="Header Placeholder 1"/>
-          <p:cNvSpPr>
-            <a:spLocks noGrp="1"/>
-          </p:cNvSpPr>
-          <p:nvPr>
-            <p:ph type="hdr" sz="quarter"/>
-          </p:nvPr>
-        </p:nvSpPr>
-        <p:spPr>
-          <a:xfrm>
-            <a:off x="0" y="0"/>
-            <a:ext cx="2971800" cy="457200"/>
-          </a:xfrm>
-          <a:prstGeom prst="rect">
-            <a:avLst/>
-          </a:prstGeom>
-        </p:spPr>
-        <p:txBody>
-          <a:bodyPr vert="horz" lIns="91440" tIns="45720" rIns="91440" bIns="45720" rtlCol="0"/>
-          <a:lstStyle>
-            <a:lvl1pPr algn="l">
-              <a:defRPr sz="1200"/>
-            </a:lvl1pPr>
-          </a:lstStyle>
-          <a:p>
-            <a:endParaRPr lang="en-US"/>
-          </a:p>
-        </p:txBody>
-      </p:sp>
-      <p:sp>
-        <p:nvSpPr>
-          <p:cNvPr id="3" name="Date Placeholder 2"/>
-          <p:cNvSpPr>
-            <a:spLocks noGrp="1"/>
-          </p:cNvSpPr>
-          <p:nvPr>
-            <p:ph type="dt" idx="1"/>
-          </p:nvPr>
-        </p:nvSpPr>
-        <p:spPr>
-          <a:xfrm>
-            <a:off x="3884613" y="0"/>
-            <a:ext cx="2971800" cy="457200"/>
-          </a:xfrm>
-          <a:prstGeom prst="rect">
-            <a:avLst/>
-          </a:prstGeom>
-        </p:spPr>
-        <p:txBody>
-          <a:bodyPr vert="horz" lIns="91440" tIns="45720" rIns="91440" bIns="45720" rtlCol="0"/>
-          <a:lstStyle>
-            <a:lvl1pPr algn="r">
-              <a:defRPr sz="1200"/>
-            </a:lvl1pPr>
-          </a:lstStyle>
-          <a:p>
-            <a:fld id="{0F89C1C7-3DCD-1040-A9CF-14679D8B5DDD}" type="datetimeFigureOut">
-              <a:rPr lang="en-US" smtClean="0"/>
-              <a:t>10/17/16</a:t>
-            </a:fld>
-            <a:endParaRPr lang="en-US"/>
-          </a:p>
-        </p:txBody>
-      </p:sp>
-      <p:sp>
-        <p:nvSpPr>
-          <p:cNvPr id="4" name="Slide Image Placeholder 3"/>
-          <p:cNvSpPr>
-            <a:spLocks noGrp="1" noRot="1" noChangeAspect="1"/>
-          </p:cNvSpPr>
-          <p:nvPr>
-            <p:ph type="sldImg" idx="2"/>
-          </p:nvPr>
-        </p:nvSpPr>
-        <p:spPr>
-          <a:xfrm>
-            <a:off x="1143000" y="685800"/>
-            <a:ext cx="4572000" cy="3429000"/>
-          </a:xfrm>
-          <a:prstGeom prst="rect">
-            <a:avLst/>
-          </a:prstGeom>
-          <a:noFill/>
-          <a:ln w="12700">
-            <a:solidFill>
-              <a:prstClr val="black"/>
-            </a:solidFill>
-          </a:ln>
-        </p:spPr>
-        <p:txBody>
-          <a:bodyPr vert="horz" lIns="91440" tIns="45720" rIns="91440" bIns="45720" rtlCol="0" anchor="ctr"/>
-          <a:lstStyle/>
-          <a:p>
-            <a:endParaRPr lang="en-US"/>
-          </a:p>
-        </p:txBody>
-      </p:sp>
-      <p:sp>
-        <p:nvSpPr>
-          <p:cNvPr id="5" name="Notes Placeholder 4"/>
-          <p:cNvSpPr>
-            <a:spLocks noGrp="1"/>
-          </p:cNvSpPr>
-          <p:nvPr>
-            <p:ph type="body" sz="quarter" idx="3"/>
-          </p:nvPr>
-        </p:nvSpPr>
-        <p:spPr>
-          <a:xfrm>
-            <a:off x="685800" y="4343400"/>
-            <a:ext cx="5486400" cy="4114800"/>
-          </a:xfrm>
-          <a:prstGeom prst="rect">
-            <a:avLst/>
-          </a:prstGeom>
-        </p:spPr>
-        <p:txBody>
-          <a:bodyPr vert="horz" lIns="91440" tIns="45720" rIns="91440" bIns="45720" rtlCol="0"/>
-          <a:lstStyle/>
-          <a:p>
-            <a:pPr lvl="0"/>
-            <a:r>
-              <a:rPr lang="en-US" smtClean="0"/>
-              <a:t>Click to edit Master text styles</a:t>
-            </a:r>
-          </a:p>
-          <a:p>
-            <a:pPr lvl="1"/>
-            <a:r>
-              <a:rPr lang="en-US" smtClean="0"/>
-              <a:t>Second level</a:t>
-            </a:r>
-          </a:p>
-          <a:p>
-            <a:pPr lvl="2"/>
-            <a:r>
-              <a:rPr lang="en-US" smtClean="0"/>
-              <a:t>Third level</a:t>
-            </a:r>
-          </a:p>
-          <a:p>
-            <a:pPr lvl="3"/>
-            <a:r>
-              <a:rPr lang="en-US" smtClean="0"/>
-              <a:t>Fourth level</a:t>
-            </a:r>
-          </a:p>
-          <a:p>
-            <a:pPr lvl="4"/>
-            <a:r>
-              <a:rPr lang="en-US" smtClean="0"/>
-              <a:t>Fifth level</a:t>
-            </a:r>
-            <a:endParaRPr lang="en-US"/>
-          </a:p>
-        </p:txBody>
-      </p:sp>
-      <p:sp>
-        <p:nvSpPr>
-          <p:cNvPr id="6" name="Footer Placeholder 5"/>
-          <p:cNvSpPr>
-            <a:spLocks noGrp="1"/>
-          </p:cNvSpPr>
-          <p:nvPr>
-            <p:ph type="ftr" sz="quarter" idx="4"/>
-          </p:nvPr>
-        </p:nvSpPr>
-        <p:spPr>
-          <a:xfrm>
-            <a:off x="0" y="8685213"/>
-            <a:ext cx="2971800" cy="457200"/>
-          </a:xfrm>
-          <a:prstGeom prst="rect">
-            <a:avLst/>
-          </a:prstGeom>
-        </p:spPr>
-        <p:txBody>
-          <a:bodyPr vert="horz" lIns="91440" tIns="45720" rIns="91440" bIns="45720" rtlCol="0" anchor="b"/>
-          <a:lstStyle>
-            <a:lvl1pPr algn="l">
-              <a:defRPr sz="1200"/>
-            </a:lvl1pPr>
-          </a:lstStyle>
-          <a:p>
-            <a:endParaRPr lang="en-US"/>
-          </a:p>
-        </p:txBody>
-      </p:sp>
-      <p:sp>
-        <p:nvSpPr>
-          <p:cNvPr id="7" name="Slide Number Placeholder 6"/>
-          <p:cNvSpPr>
-            <a:spLocks noGrp="1"/>
-          </p:cNvSpPr>
-          <p:nvPr>
-            <p:ph type="sldNum" sz="quarter" idx="5"/>
-          </p:nvPr>
-        </p:nvSpPr>
-        <p:spPr>
-          <a:xfrm>
-            <a:off x="3884613" y="8685213"/>
-            <a:ext cx="2971800" cy="457200"/>
-          </a:xfrm>
-          <a:prstGeom prst="rect">
-            <a:avLst/>
-          </a:prstGeom>
-        </p:spPr>
-        <p:txBody>
-          <a:bodyPr vert="horz" lIns="91440" tIns="45720" rIns="91440" bIns="45720" rtlCol="0" anchor="b"/>
-          <a:lstStyle>
-            <a:lvl1pPr algn="r">
-              <a:defRPr sz="1200"/>
-            </a:lvl1pPr>
-          </a:lstStyle>
-          <a:p>
-            <a:fld id="{BB5E49A5-4136-284D-997B-48E1D791AD67}" type="slidenum">
-              <a:rPr lang="en-US" smtClean="0"/>
-              <a:t>‹#›</a:t>
-            </a:fld>
-            <a:endParaRPr lang="en-US"/>
-          </a:p>
-        </p:txBody>
-      </p:sp>
     </p:spTree>
     <p:extLst>
       <p:ext uri="{BB962C8B-B14F-4D97-AF65-F5344CB8AC3E}">
-        <p14:creationId xmlns:p14="http://schemas.microsoft.com/office/powerpoint/2010/main" val="2623252185"/>
+        <p14:creationId xmlns:p14="http://schemas.microsoft.com/office/powerpoint/2010/main" val="4094445322"/>
       </p:ext>
     </p:extLst>
   </p:cSld>
   <p:clrMap bg1="lt1" tx1="dk1" bg2="lt2" tx2="dk2" accent1="accent1" accent2="accent2" accent3="accent3" accent4="accent4" accent5="accent5" accent6="accent6" hlink="hlink" folHlink="folHlink"/>
   <p:notesStyle>
-    <a:lvl1pPr marL="0" algn="l" defTabSz="457200" rtl="0" eaLnBrk="1" latinLnBrk="0" hangingPunct="1">
+    <a:lvl1pPr marL="0" algn="l" defTabSz="914400" rtl="0" eaLnBrk="1" latinLnBrk="0" hangingPunct="1">
       <a:defRPr sz="1200" kern="1200">
         <a:solidFill>
           <a:schemeClr val="tx1"/>
@@ -387,7 +164,7 @@
         <a:cs typeface="+mn-cs"/>
       </a:defRPr>
     </a:lvl1pPr>
-    <a:lvl2pPr marL="457200" algn="l" defTabSz="457200" rtl="0" eaLnBrk="1" latinLnBrk="0" hangingPunct="1">
+    <a:lvl2pPr marL="457200" algn="l" defTabSz="914400" rtl="0" eaLnBrk="1" latinLnBrk="0" hangingPunct="1">
       <a:defRPr sz="1200" kern="1200">
         <a:solidFill>
           <a:schemeClr val="tx1"/>
@@ -397,7 +174,7 @@
         <a:cs typeface="+mn-cs"/>
       </a:defRPr>
     </a:lvl2pPr>
-    <a:lvl3pPr marL="914400" algn="l" defTabSz="457200" rtl="0" eaLnBrk="1" latinLnBrk="0" hangingPunct="1">
+    <a:lvl3pPr marL="914400" algn="l" defTabSz="914400" rtl="0" eaLnBrk="1" latinLnBrk="0" hangingPunct="1">
       <a:defRPr sz="1200" kern="1200">
         <a:solidFill>
           <a:schemeClr val="tx1"/>
@@ -407,7 +184,7 @@
         <a:cs typeface="+mn-cs"/>
       </a:defRPr>
     </a:lvl3pPr>
-    <a:lvl4pPr marL="1371600" algn="l" defTabSz="457200" rtl="0" eaLnBrk="1" latinLnBrk="0" hangingPunct="1">
+    <a:lvl4pPr marL="1371600" algn="l" defTabSz="914400" rtl="0" eaLnBrk="1" latinLnBrk="0" hangingPunct="1">
       <a:defRPr sz="1200" kern="1200">
         <a:solidFill>
           <a:schemeClr val="tx1"/>
@@ -417,7 +194,7 @@
         <a:cs typeface="+mn-cs"/>
       </a:defRPr>
     </a:lvl4pPr>
-    <a:lvl5pPr marL="1828800" algn="l" defTabSz="457200" rtl="0" eaLnBrk="1" latinLnBrk="0" hangingPunct="1">
+    <a:lvl5pPr marL="1828800" algn="l" defTabSz="914400" rtl="0" eaLnBrk="1" latinLnBrk="0" hangingPunct="1">
       <a:defRPr sz="1200" kern="1200">
         <a:solidFill>
           <a:schemeClr val="tx1"/>
@@ -427,7 +204,7 @@
         <a:cs typeface="+mn-cs"/>
       </a:defRPr>
     </a:lvl5pPr>
-    <a:lvl6pPr marL="2286000" algn="l" defTabSz="457200" rtl="0" eaLnBrk="1" latinLnBrk="0" hangingPunct="1">
+    <a:lvl6pPr marL="2286000" algn="l" defTabSz="914400" rtl="0" eaLnBrk="1" latinLnBrk="0" hangingPunct="1">
       <a:defRPr sz="1200" kern="1200">
         <a:solidFill>
           <a:schemeClr val="tx1"/>
@@ -437,7 +214,7 @@
         <a:cs typeface="+mn-cs"/>
       </a:defRPr>
     </a:lvl6pPr>
-    <a:lvl7pPr marL="2743200" algn="l" defTabSz="457200" rtl="0" eaLnBrk="1" latinLnBrk="0" hangingPunct="1">
+    <a:lvl7pPr marL="2743200" algn="l" defTabSz="914400" rtl="0" eaLnBrk="1" latinLnBrk="0" hangingPunct="1">
       <a:defRPr sz="1200" kern="1200">
         <a:solidFill>
           <a:schemeClr val="tx1"/>
@@ -447,7 +224,7 @@
         <a:cs typeface="+mn-cs"/>
       </a:defRPr>
     </a:lvl7pPr>
-    <a:lvl8pPr marL="3200400" algn="l" defTabSz="457200" rtl="0" eaLnBrk="1" latinLnBrk="0" hangingPunct="1">
+    <a:lvl8pPr marL="3200400" algn="l" defTabSz="914400" rtl="0" eaLnBrk="1" latinLnBrk="0" hangingPunct="1">
       <a:defRPr sz="1200" kern="1200">
         <a:solidFill>
           <a:schemeClr val="tx1"/>
@@ -457,7 +234,7 @@
         <a:cs typeface="+mn-cs"/>
       </a:defRPr>
     </a:lvl8pPr>
-    <a:lvl9pPr marL="3657600" algn="l" defTabSz="457200" rtl="0" eaLnBrk="1" latinLnBrk="0" hangingPunct="1">
+    <a:lvl9pPr marL="3657600" algn="l" defTabSz="914400" rtl="0" eaLnBrk="1" latinLnBrk="0" hangingPunct="1">
       <a:defRPr sz="1200" kern="1200">
         <a:solidFill>
           <a:schemeClr val="tx1"/>
@@ -472,7 +249,7 @@
 </file>
 
 <file path=ppt/notesSlides/notesSlide1.xml><?xml version="1.0" encoding="utf-8"?>
-<p:notes xmlns:a="http://schemas.openxmlformats.org/drawingml/2006/main" xmlns:p="http://schemas.openxmlformats.org/presentationml/2006/main" xmlns:r="http://schemas.openxmlformats.org/officeDocument/2006/relationships">
+<p:notes xmlns:a="http://schemas.openxmlformats.org/drawingml/2006/main" xmlns:r="http://schemas.openxmlformats.org/officeDocument/2006/relationships" xmlns:p="http://schemas.openxmlformats.org/presentationml/2006/main">
   <p:cSld>
     <p:spTree>
       <p:nvGrpSpPr>
@@ -492,7 +269,7 @@
         <p:nvSpPr>
           <p:cNvPr id="2" name="Slide Image Placeholder 1"/>
           <p:cNvSpPr>
-            <a:spLocks noGrp="1"/>
+            <a:spLocks noGrp="1" noRot="1" noChangeAspect="1"/>
           </p:cNvSpPr>
           <p:nvPr>
             <p:ph type="sldImg" idx="2"/>
@@ -507,7 +284,7 @@
             <a:spLocks noGrp="1"/>
           </p:cNvSpPr>
           <p:nvPr>
-            <p:ph type="body" idx="3" sz="quarter"/>
+            <p:ph type="body" sz="quarter" idx="3"/>
           </p:nvPr>
         </p:nvSpPr>
         <p:spPr/>
@@ -528,7 +305,7 @@
             <a:spLocks noGrp="1"/>
           </p:cNvSpPr>
           <p:nvPr>
-            <p:ph type="sldNum" idx="5" sz="quarter"/>
+            <p:ph type="sldNum" sz="quarter" idx="5"/>
           </p:nvPr>
         </p:nvSpPr>
         <p:spPr/>
@@ -542,7 +319,7 @@
 </file>
 
 <file path=ppt/notesSlides/notesSlide2.xml><?xml version="1.0" encoding="utf-8"?>
-<p:notes xmlns:a="http://schemas.openxmlformats.org/drawingml/2006/main" xmlns:p="http://schemas.openxmlformats.org/presentationml/2006/main" xmlns:r="http://schemas.openxmlformats.org/officeDocument/2006/relationships">
+<p:notes xmlns:a="http://schemas.openxmlformats.org/drawingml/2006/main" xmlns:r="http://schemas.openxmlformats.org/officeDocument/2006/relationships" xmlns:p="http://schemas.openxmlformats.org/presentationml/2006/main">
   <p:cSld>
     <p:spTree>
       <p:nvGrpSpPr>
@@ -562,7 +339,7 @@
         <p:nvSpPr>
           <p:cNvPr id="2" name="Slide Image Placeholder 1"/>
           <p:cNvSpPr>
-            <a:spLocks noGrp="1"/>
+            <a:spLocks noGrp="1" noRot="1" noChangeAspect="1"/>
           </p:cNvSpPr>
           <p:nvPr>
             <p:ph type="sldImg" idx="2"/>
@@ -577,7 +354,7 @@
             <a:spLocks noGrp="1"/>
           </p:cNvSpPr>
           <p:nvPr>
-            <p:ph type="body" idx="3" sz="quarter"/>
+            <p:ph type="body" sz="quarter" idx="3"/>
           </p:nvPr>
         </p:nvSpPr>
         <p:spPr/>
@@ -598,77 +375,7 @@
             <a:spLocks noGrp="1"/>
           </p:cNvSpPr>
           <p:nvPr>
-            <p:ph type="sldNum" idx="5" sz="quarter"/>
-          </p:nvPr>
-        </p:nvSpPr>
-        <p:spPr/>
-      </p:sp>
-    </p:spTree>
-  </p:cSld>
-  <p:clrMapOvr>
-    <a:masterClrMapping/>
-  </p:clrMapOvr>
-</p:notes>
-</file>
-
-<file path=ppt/notesSlides/notesSlide3.xml><?xml version="1.0" encoding="utf-8"?>
-<p:notes xmlns:a="http://schemas.openxmlformats.org/drawingml/2006/main" xmlns:p="http://schemas.openxmlformats.org/presentationml/2006/main" xmlns:r="http://schemas.openxmlformats.org/officeDocument/2006/relationships">
-  <p:cSld>
-    <p:spTree>
-      <p:nvGrpSpPr>
-        <p:cNvPr id="1" name=""/>
-        <p:cNvGrpSpPr/>
-        <p:nvPr/>
-      </p:nvGrpSpPr>
-      <p:grpSpPr>
-        <a:xfrm>
-          <a:off x="0" y="0"/>
-          <a:ext cx="0" cy="0"/>
-          <a:chOff x="0" y="0"/>
-          <a:chExt cx="0" cy="0"/>
-        </a:xfrm>
-      </p:grpSpPr>
-      <p:sp>
-        <p:nvSpPr>
-          <p:cNvPr id="2" name="Slide Image Placeholder 1"/>
-          <p:cNvSpPr>
-            <a:spLocks noGrp="1"/>
-          </p:cNvSpPr>
-          <p:nvPr>
-            <p:ph type="sldImg" idx="2"/>
-          </p:nvPr>
-        </p:nvSpPr>
-        <p:spPr/>
-      </p:sp>
-      <p:sp>
-        <p:nvSpPr>
-          <p:cNvPr id="3" name="Notes Placeholder 2"/>
-          <p:cNvSpPr>
-            <a:spLocks noGrp="1"/>
-          </p:cNvSpPr>
-          <p:nvPr>
-            <p:ph type="body" idx="3" sz="quarter"/>
-          </p:nvPr>
-        </p:nvSpPr>
-        <p:spPr/>
-        <p:txBody>
-          <a:bodyPr/>
-          <a:lstStyle/>
-          <a:p>
-            <a:r>
-              <a:t>Block 1 Creational Patterns schaffen die Grundlage für saubere, erweiterbare Enterprise-Architekturen durch systematische Objekterzeugung und klare Verantwortlichkeiten.</a:t>
-            </a:r>
-          </a:p>
-        </p:txBody>
-      </p:sp>
-      <p:sp>
-        <p:nvSpPr>
-          <p:cNvPr id="4" name="Slide Number Placeholder 3"/>
-          <p:cNvSpPr>
-            <a:spLocks noGrp="1"/>
-          </p:cNvSpPr>
-          <p:nvPr>
-            <p:ph type="sldNum" idx="5" sz="quarter"/>
+            <p:ph type="sldNum" sz="quarter" idx="5"/>
           </p:nvPr>
         </p:nvSpPr>
         <p:spPr/>
@@ -4824,7 +4531,7 @@
 </file>
 
 <file path=ppt/slides/slide1.xml><?xml version="1.0" encoding="utf-8"?>
-<p:sld xmlns:a="http://schemas.openxmlformats.org/drawingml/2006/main" xmlns:p="http://schemas.openxmlformats.org/presentationml/2006/main" xmlns:r="http://schemas.openxmlformats.org/officeDocument/2006/relationships">
+<p:sld xmlns:a="http://schemas.openxmlformats.org/drawingml/2006/main" xmlns:r="http://schemas.openxmlformats.org/officeDocument/2006/relationships" xmlns:p="http://schemas.openxmlformats.org/presentationml/2006/main">
   <p:cSld>
     <p:spTree>
       <p:nvGrpSpPr>
@@ -4832,7 +4539,14 @@
         <p:cNvGrpSpPr/>
         <p:nvPr/>
       </p:nvGrpSpPr>
-      <p:grpSpPr/>
+      <p:grpSpPr>
+        <a:xfrm>
+          <a:off x="0" y="0"/>
+          <a:ext cx="0" cy="0"/>
+          <a:chOff x="0" y="0"/>
+          <a:chExt cx="0" cy="0"/>
+        </a:xfrm>
+      </p:grpSpPr>
       <p:sp>
         <p:nvSpPr>
           <p:cNvPr id="2" name="Title 1"/>
@@ -4869,29 +4583,7 @@
           <a:bodyPr/>
           <a:lstStyle/>
           <a:p>
-            <a:r>
-              <a:t>Factory Method Pattern</a:t>
-            </a:r>
-          </a:p>
-          <a:p>
-            <a:r>
-              <a:t>Abstract Factory Pattern</a:t>
-            </a:r>
-          </a:p>
-          <a:p>
-            <a:r>
-              <a:t>Builder Pattern</a:t>
-            </a:r>
-          </a:p>
-          <a:p>
-            <a:r>
-              <a:t>Prototype Pattern</a:t>
-            </a:r>
-          </a:p>
-          <a:p>
-            <a:r>
-              <a:t>Singleton Pattern</a:t>
-            </a:r>
+            <a:endParaRPr dirty="0"/>
           </a:p>
         </p:txBody>
       </p:sp>
@@ -4903,8 +4595,8 @@
 </p:sld>
 </file>
 
-<file path=ppt/slides/slide10.xml><?xml version="1.0" encoding="utf-8"?>
-<p:sld xmlns:a="http://schemas.openxmlformats.org/drawingml/2006/main" xmlns:p="http://schemas.openxmlformats.org/presentationml/2006/main" xmlns:r="http://schemas.openxmlformats.org/officeDocument/2006/relationships">
+<file path=ppt/slides/slide2.xml><?xml version="1.0" encoding="utf-8"?>
+<p:sld xmlns:a="http://schemas.openxmlformats.org/drawingml/2006/main" xmlns:r="http://schemas.openxmlformats.org/officeDocument/2006/relationships" xmlns:p="http://schemas.openxmlformats.org/presentationml/2006/main">
   <p:cSld>
     <p:spTree>
       <p:nvGrpSpPr>
@@ -4912,7 +4604,14 @@
         <p:cNvGrpSpPr/>
         <p:nvPr/>
       </p:nvGrpSpPr>
-      <p:grpSpPr/>
+      <p:grpSpPr>
+        <a:xfrm>
+          <a:off x="0" y="0"/>
+          <a:ext cx="0" cy="0"/>
+          <a:chOff x="0" y="0"/>
+          <a:chExt cx="0" cy="0"/>
+        </a:xfrm>
+      </p:grpSpPr>
       <p:sp>
         <p:nvSpPr>
           <p:cNvPr id="2" name="Title 1"/>
@@ -4929,7 +4628,367 @@
           <a:lstStyle/>
           <a:p>
             <a:r>
-              <a:t>Creational Patterns - Schlüsselerkenntnisse</a:t>
+              <a:t>Was </a:t>
+            </a:r>
+            <a:r>
+              <a:rPr dirty="0" err="1"/>
+              <a:t>ist</a:t>
+            </a:r>
+            <a:r>
+              <a:rPr dirty="0"/>
+              <a:t> </a:t>
+            </a:r>
+            <a:r>
+              <a:rPr dirty="0" err="1"/>
+              <a:t>hier</a:t>
+            </a:r>
+            <a:r>
+              <a:rPr dirty="0"/>
+              <a:t> </a:t>
+            </a:r>
+            <a:r>
+              <a:rPr dirty="0" err="1"/>
+              <a:t>schlecht</a:t>
+            </a:r>
+            <a:r>
+              <a:rPr dirty="0"/>
+              <a:t>?</a:t>
+            </a:r>
+          </a:p>
+        </p:txBody>
+      </p:sp>
+      <p:sp>
+        <p:nvSpPr>
+          <p:cNvPr id="3" name="Content Placeholder 2"/>
+          <p:cNvSpPr>
+            <a:spLocks noGrp="1"/>
+          </p:cNvSpPr>
+          <p:nvPr>
+            <p:ph idx="1"/>
+          </p:nvPr>
+        </p:nvSpPr>
+        <p:spPr/>
+        <p:txBody>
+          <a:bodyPr>
+            <a:normAutofit/>
+          </a:bodyPr>
+          <a:lstStyle/>
+          <a:p>
+            <a:pPr>
+              <a:defRPr sz="1100">
+                <a:latin typeface="Consolas"/>
+              </a:defRPr>
+            </a:pPr>
+            <a:r>
+              <a:rPr sz="1600" dirty="0"/>
+              <a:t>public class </a:t>
+            </a:r>
+            <a:r>
+              <a:rPr sz="1600" dirty="0" err="1"/>
+              <a:t>CustomerManager</a:t>
+            </a:r>
+            <a:r>
+              <a:rPr sz="1600" dirty="0"/>
+              <a:t> {</a:t>
+            </a:r>
+            <a:br>
+              <a:rPr sz="1600" dirty="0"/>
+            </a:br>
+            <a:r>
+              <a:rPr sz="1600" dirty="0"/>
+              <a:t>    public Customer </a:t>
+            </a:r>
+            <a:r>
+              <a:rPr sz="1600" dirty="0" err="1"/>
+              <a:t>createCustomer</a:t>
+            </a:r>
+            <a:r>
+              <a:rPr sz="1600" dirty="0"/>
+              <a:t>(String type, String name, String </a:t>
+            </a:r>
+            <a:r>
+              <a:rPr sz="1600" dirty="0" err="1"/>
+              <a:t>contractId</a:t>
+            </a:r>
+            <a:r>
+              <a:rPr sz="1600" dirty="0"/>
+              <a:t>) {</a:t>
+            </a:r>
+            <a:br>
+              <a:rPr sz="1600" dirty="0"/>
+            </a:br>
+            <a:r>
+              <a:rPr sz="1600" dirty="0"/>
+              <a:t>        switch (type) {</a:t>
+            </a:r>
+            <a:br>
+              <a:rPr sz="1600" dirty="0"/>
+            </a:br>
+            <a:r>
+              <a:rPr sz="1600" dirty="0"/>
+              <a:t>            case "PRIVATE":</a:t>
+            </a:r>
+            <a:br>
+              <a:rPr sz="1600" dirty="0"/>
+            </a:br>
+            <a:r>
+              <a:rPr sz="1600" dirty="0"/>
+              <a:t>                Customer </a:t>
+            </a:r>
+            <a:r>
+              <a:rPr sz="1600" dirty="0" err="1"/>
+              <a:t>privateCustomer</a:t>
+            </a:r>
+            <a:r>
+              <a:rPr sz="1600" dirty="0"/>
+              <a:t> = new Customer();</a:t>
+            </a:r>
+            <a:br>
+              <a:rPr sz="1600" dirty="0"/>
+            </a:br>
+            <a:r>
+              <a:rPr sz="1600" dirty="0"/>
+              <a:t>                </a:t>
+            </a:r>
+            <a:r>
+              <a:rPr sz="1600" dirty="0" err="1"/>
+              <a:t>privateCustomer.setName</a:t>
+            </a:r>
+            <a:r>
+              <a:rPr sz="1600" dirty="0"/>
+              <a:t>(name);</a:t>
+            </a:r>
+            <a:br>
+              <a:rPr sz="1600" dirty="0"/>
+            </a:br>
+            <a:r>
+              <a:rPr sz="1600" dirty="0"/>
+              <a:t>                </a:t>
+            </a:r>
+            <a:r>
+              <a:rPr sz="1600" dirty="0" err="1"/>
+              <a:t>privateCustomer.setTariffOptions</a:t>
+            </a:r>
+            <a:r>
+              <a:rPr sz="1600" dirty="0"/>
+              <a:t>(</a:t>
+            </a:r>
+            <a:r>
+              <a:rPr sz="1600" dirty="0" err="1"/>
+              <a:t>Arrays.asList</a:t>
+            </a:r>
+            <a:r>
+              <a:rPr sz="1600" dirty="0"/>
+              <a:t>("Basic", "Comfort"));</a:t>
+            </a:r>
+            <a:br>
+              <a:rPr sz="1600" dirty="0"/>
+            </a:br>
+            <a:r>
+              <a:rPr sz="1600" dirty="0"/>
+              <a:t>                </a:t>
+            </a:r>
+            <a:r>
+              <a:rPr sz="1600" dirty="0" err="1"/>
+              <a:t>privateCustomer.setPaymentMethod</a:t>
+            </a:r>
+            <a:r>
+              <a:rPr sz="1600" dirty="0"/>
+              <a:t>("SEPA");</a:t>
+            </a:r>
+            <a:br>
+              <a:rPr sz="1600" dirty="0"/>
+            </a:br>
+            <a:r>
+              <a:rPr sz="1600" dirty="0"/>
+              <a:t>                return </a:t>
+            </a:r>
+            <a:r>
+              <a:rPr sz="1600" dirty="0" err="1"/>
+              <a:t>privateCustomer</a:t>
+            </a:r>
+            <a:r>
+              <a:rPr sz="1600" dirty="0"/>
+              <a:t>;</a:t>
+            </a:r>
+            <a:br>
+              <a:rPr sz="1600" dirty="0"/>
+            </a:br>
+            <a:r>
+              <a:rPr sz="1600" dirty="0"/>
+              <a:t>            case "BUSINESS":</a:t>
+            </a:r>
+            <a:br>
+              <a:rPr sz="1600" dirty="0"/>
+            </a:br>
+            <a:r>
+              <a:rPr sz="1600" dirty="0"/>
+              <a:t>                Customer </a:t>
+            </a:r>
+            <a:r>
+              <a:rPr sz="1600" dirty="0" err="1"/>
+              <a:t>businessCustomer</a:t>
+            </a:r>
+            <a:r>
+              <a:rPr sz="1600" dirty="0"/>
+              <a:t> = new Customer();</a:t>
+            </a:r>
+            <a:br>
+              <a:rPr sz="1600" dirty="0"/>
+            </a:br>
+            <a:r>
+              <a:rPr sz="1600" dirty="0"/>
+              <a:t>                </a:t>
+            </a:r>
+            <a:r>
+              <a:rPr sz="1600" dirty="0" err="1"/>
+              <a:t>businessCustomer.setName</a:t>
+            </a:r>
+            <a:r>
+              <a:rPr sz="1600" dirty="0"/>
+              <a:t>(name);</a:t>
+            </a:r>
+            <a:br>
+              <a:rPr sz="1600" dirty="0"/>
+            </a:br>
+            <a:r>
+              <a:rPr sz="1600" dirty="0"/>
+              <a:t>                </a:t>
+            </a:r>
+            <a:r>
+              <a:rPr sz="1600" dirty="0" err="1"/>
+              <a:t>businessCustomer.setTariffOptions</a:t>
+            </a:r>
+            <a:r>
+              <a:rPr sz="1600" dirty="0"/>
+              <a:t>(</a:t>
+            </a:r>
+            <a:r>
+              <a:rPr sz="1600" dirty="0" err="1"/>
+              <a:t>Arrays.asList</a:t>
+            </a:r>
+            <a:r>
+              <a:rPr sz="1600" dirty="0"/>
+              <a:t>("Professional", "Enterprise"));</a:t>
+            </a:r>
+            <a:br>
+              <a:rPr sz="1600" dirty="0"/>
+            </a:br>
+            <a:r>
+              <a:rPr sz="1600" dirty="0"/>
+              <a:t>                </a:t>
+            </a:r>
+            <a:r>
+              <a:rPr sz="1600" dirty="0" err="1"/>
+              <a:t>businessCustomer.setPaymentMethod</a:t>
+            </a:r>
+            <a:r>
+              <a:rPr sz="1600" dirty="0"/>
+              <a:t>("Invoice");</a:t>
+            </a:r>
+            <a:br>
+              <a:rPr sz="1600" dirty="0"/>
+            </a:br>
+            <a:r>
+              <a:rPr sz="1600" dirty="0"/>
+              <a:t>                return </a:t>
+            </a:r>
+            <a:r>
+              <a:rPr sz="1600" dirty="0" err="1"/>
+              <a:t>businessCustomer</a:t>
+            </a:r>
+            <a:r>
+              <a:rPr sz="1600" dirty="0"/>
+              <a:t>;</a:t>
+            </a:r>
+            <a:br>
+              <a:rPr sz="1600" dirty="0"/>
+            </a:br>
+            <a:r>
+              <a:rPr sz="1600" dirty="0"/>
+              <a:t>            default:</a:t>
+            </a:r>
+            <a:br>
+              <a:rPr sz="1600" dirty="0"/>
+            </a:br>
+            <a:r>
+              <a:rPr sz="1600" dirty="0"/>
+              <a:t>                throw new </a:t>
+            </a:r>
+            <a:r>
+              <a:rPr sz="1600" dirty="0" err="1"/>
+              <a:t>IllegalArgumentException</a:t>
+            </a:r>
+            <a:r>
+              <a:rPr sz="1600" dirty="0"/>
+              <a:t>("Unknown customer type: " + type);</a:t>
+            </a:r>
+            <a:br>
+              <a:rPr sz="1600" dirty="0"/>
+            </a:br>
+            <a:r>
+              <a:rPr sz="1600" dirty="0"/>
+              <a:t>        }</a:t>
+            </a:r>
+            <a:br>
+              <a:rPr sz="1600" dirty="0"/>
+            </a:br>
+            <a:r>
+              <a:rPr sz="1600" dirty="0"/>
+              <a:t>    }</a:t>
+            </a:r>
+            <a:br>
+              <a:rPr sz="1600" dirty="0"/>
+            </a:br>
+            <a:r>
+              <a:rPr sz="1600" dirty="0"/>
+              <a:t>}</a:t>
+            </a:r>
+          </a:p>
+        </p:txBody>
+      </p:sp>
+    </p:spTree>
+  </p:cSld>
+  <p:clrMapOvr>
+    <a:masterClrMapping/>
+  </p:clrMapOvr>
+</p:sld>
+</file>
+
+<file path=ppt/slides/slide3.xml><?xml version="1.0" encoding="utf-8"?>
+<p:sld xmlns:a="http://schemas.openxmlformats.org/drawingml/2006/main" xmlns:r="http://schemas.openxmlformats.org/officeDocument/2006/relationships" xmlns:p="http://schemas.openxmlformats.org/presentationml/2006/main">
+  <p:cSld>
+    <p:spTree>
+      <p:nvGrpSpPr>
+        <p:cNvPr id="1" name=""/>
+        <p:cNvGrpSpPr/>
+        <p:nvPr/>
+      </p:nvGrpSpPr>
+      <p:grpSpPr>
+        <a:xfrm>
+          <a:off x="0" y="0"/>
+          <a:ext cx="0" cy="0"/>
+          <a:chOff x="0" y="0"/>
+          <a:chExt cx="0" cy="0"/>
+        </a:xfrm>
+      </p:grpSpPr>
+      <p:sp>
+        <p:nvSpPr>
+          <p:cNvPr id="2" name="Title 1"/>
+          <p:cNvSpPr>
+            <a:spLocks noGrp="1"/>
+          </p:cNvSpPr>
+          <p:nvPr>
+            <p:ph type="title"/>
+          </p:nvPr>
+        </p:nvSpPr>
+        <p:spPr/>
+        <p:txBody>
+          <a:bodyPr/>
+          <a:lstStyle/>
+          <a:p>
+            <a:r>
+              <a:t>Code Smells identifiziert</a:t>
             </a:r>
           </a:p>
         </p:txBody>
@@ -4949,45 +5008,249 @@
           <a:bodyPr/>
           <a:lstStyle/>
           <a:p>
-            <a:pPr/>
-            <a:r>
-              <a:t>Factory Method: Polymorphismus statt Switch-Statements</a:t>
-            </a:r>
-          </a:p>
-          <a:p>
-            <a:pPr/>
-            <a:r>
-              <a:t>Abstract Factory: Service-Familien sauber strukturieren</a:t>
-            </a:r>
-          </a:p>
-          <a:p>
-            <a:pPr/>
-            <a:r>
-              <a:t>Builder: Komplexe Objektkonfiguration mit Fluent Interface</a:t>
-            </a:r>
-          </a:p>
-          <a:p>
-            <a:pPr/>
-            <a:r>
-              <a:t>Prototype: Performance-Optimierung durch intelligentes Klonen</a:t>
-            </a:r>
-          </a:p>
-          <a:p>
-            <a:pPr/>
-            <a:r>
-              <a:t>Singleton: Shared Resources + Adapter für Legacy-Integration</a:t>
-            </a:r>
-          </a:p>
-          <a:p>
-            <a:pPr/>
-            <a:r>
-              <a:t>SOLID-Prinzipien werden natürlich erfüllt</a:t>
-            </a:r>
-          </a:p>
-          <a:p>
-            <a:pPr/>
-            <a:r>
-              <a:t>Bessere Testbarkeit durch lose Kopplung</a:t>
+            <a:pPr>
+              <a:lnSpc>
+                <a:spcPct val="150000"/>
+              </a:lnSpc>
+            </a:pPr>
+            <a:r>
+              <a:rPr b="1" dirty="0"/>
+              <a:t>Long Method</a:t>
+            </a:r>
+            <a:r>
+              <a:rPr dirty="0"/>
+              <a:t>: </a:t>
+            </a:r>
+            <a:r>
+              <a:rPr dirty="0" err="1"/>
+              <a:t>createCustomer</a:t>
+            </a:r>
+            <a:r>
+              <a:rPr dirty="0"/>
+              <a:t>-Methode hat </a:t>
+            </a:r>
+            <a:r>
+              <a:rPr dirty="0" err="1"/>
+              <a:t>zu</a:t>
+            </a:r>
+            <a:r>
+              <a:rPr dirty="0"/>
+              <a:t> </a:t>
+            </a:r>
+            <a:r>
+              <a:rPr dirty="0" err="1"/>
+              <a:t>viele</a:t>
+            </a:r>
+            <a:r>
+              <a:rPr dirty="0"/>
+              <a:t> </a:t>
+            </a:r>
+            <a:r>
+              <a:rPr dirty="0" err="1"/>
+              <a:t>Zeilen</a:t>
+            </a:r>
+            <a:endParaRPr dirty="0"/>
+          </a:p>
+          <a:p>
+            <a:pPr>
+              <a:lnSpc>
+                <a:spcPct val="150000"/>
+              </a:lnSpc>
+            </a:pPr>
+            <a:r>
+              <a:rPr b="1" dirty="0"/>
+              <a:t>Switch Statements</a:t>
+            </a:r>
+            <a:r>
+              <a:rPr dirty="0"/>
+              <a:t>: </a:t>
+            </a:r>
+            <a:r>
+              <a:rPr dirty="0" err="1"/>
+              <a:t>Typ-basierte</a:t>
+            </a:r>
+            <a:r>
+              <a:rPr dirty="0"/>
+              <a:t> </a:t>
+            </a:r>
+            <a:r>
+              <a:rPr dirty="0" err="1"/>
+              <a:t>Verzweigung</a:t>
+            </a:r>
+            <a:r>
+              <a:rPr dirty="0"/>
+              <a:t> </a:t>
+            </a:r>
+            <a:r>
+              <a:rPr dirty="0" err="1"/>
+              <a:t>deutet</a:t>
+            </a:r>
+            <a:r>
+              <a:rPr dirty="0"/>
+              <a:t> auf </a:t>
+            </a:r>
+            <a:r>
+              <a:rPr dirty="0" err="1"/>
+              <a:t>fehlendes</a:t>
+            </a:r>
+            <a:r>
+              <a:rPr dirty="0"/>
+              <a:t> </a:t>
+            </a:r>
+            <a:r>
+              <a:rPr dirty="0" err="1"/>
+              <a:t>Polymorphismus</a:t>
+            </a:r>
+            <a:r>
+              <a:rPr dirty="0"/>
+              <a:t> </a:t>
+            </a:r>
+            <a:r>
+              <a:rPr dirty="0" err="1"/>
+              <a:t>hin</a:t>
+            </a:r>
+            <a:endParaRPr dirty="0"/>
+          </a:p>
+          <a:p>
+            <a:pPr>
+              <a:lnSpc>
+                <a:spcPct val="150000"/>
+              </a:lnSpc>
+            </a:pPr>
+            <a:r>
+              <a:rPr b="1" dirty="0"/>
+              <a:t>Feature Envy</a:t>
+            </a:r>
+            <a:r>
+              <a:rPr dirty="0"/>
+              <a:t>: Methode </a:t>
+            </a:r>
+            <a:r>
+              <a:rPr dirty="0" err="1"/>
+              <a:t>manipuliert</a:t>
+            </a:r>
+            <a:r>
+              <a:rPr dirty="0"/>
+              <a:t> </a:t>
+            </a:r>
+            <a:r>
+              <a:rPr dirty="0" err="1"/>
+              <a:t>mehr</a:t>
+            </a:r>
+            <a:r>
+              <a:rPr dirty="0"/>
+              <a:t> Daten </a:t>
+            </a:r>
+            <a:r>
+              <a:rPr dirty="0" err="1"/>
+              <a:t>als</a:t>
+            </a:r>
+            <a:r>
+              <a:rPr dirty="0"/>
+              <a:t> </a:t>
+            </a:r>
+            <a:r>
+              <a:rPr dirty="0" err="1"/>
+              <a:t>sie</a:t>
+            </a:r>
+            <a:r>
+              <a:rPr dirty="0"/>
+              <a:t> </a:t>
+            </a:r>
+            <a:r>
+              <a:rPr dirty="0" err="1"/>
+              <a:t>besitzt</a:t>
+            </a:r>
+            <a:endParaRPr dirty="0"/>
+          </a:p>
+          <a:p>
+            <a:pPr>
+              <a:lnSpc>
+                <a:spcPct val="150000"/>
+              </a:lnSpc>
+            </a:pPr>
+            <a:r>
+              <a:rPr b="1" dirty="0"/>
+              <a:t>Duplicate Code</a:t>
+            </a:r>
+            <a:r>
+              <a:rPr dirty="0"/>
+              <a:t>: </a:t>
+            </a:r>
+            <a:r>
+              <a:rPr dirty="0" err="1"/>
+              <a:t>Wiederholte</a:t>
+            </a:r>
+            <a:r>
+              <a:rPr dirty="0"/>
+              <a:t> </a:t>
+            </a:r>
+            <a:r>
+              <a:rPr dirty="0" err="1"/>
+              <a:t>Zuweisungen</a:t>
+            </a:r>
+            <a:r>
+              <a:rPr dirty="0"/>
+              <a:t> in </a:t>
+            </a:r>
+            <a:r>
+              <a:rPr dirty="0" err="1"/>
+              <a:t>jedem</a:t>
+            </a:r>
+            <a:r>
+              <a:rPr dirty="0"/>
+              <a:t> Case</a:t>
+            </a:r>
+          </a:p>
+          <a:p>
+            <a:pPr>
+              <a:lnSpc>
+                <a:spcPct val="150000"/>
+              </a:lnSpc>
+            </a:pPr>
+            <a:r>
+              <a:rPr b="1" dirty="0"/>
+              <a:t>Open/Closed Principle </a:t>
+            </a:r>
+            <a:r>
+              <a:rPr b="1" dirty="0" err="1"/>
+              <a:t>Verletzung</a:t>
+            </a:r>
+            <a:r>
+              <a:rPr dirty="0"/>
+              <a:t>: Neue Kunden-</a:t>
+            </a:r>
+            <a:r>
+              <a:rPr dirty="0" err="1"/>
+              <a:t>Typen</a:t>
+            </a:r>
+            <a:r>
+              <a:rPr dirty="0"/>
+              <a:t> </a:t>
+            </a:r>
+            <a:r>
+              <a:rPr dirty="0" err="1"/>
+              <a:t>erfordern</a:t>
+            </a:r>
+            <a:r>
+              <a:rPr dirty="0"/>
+              <a:t> </a:t>
+            </a:r>
+            <a:r>
+              <a:rPr dirty="0" err="1"/>
+              <a:t>Änderung</a:t>
+            </a:r>
+            <a:r>
+              <a:rPr dirty="0"/>
+              <a:t> </a:t>
+            </a:r>
+            <a:r>
+              <a:rPr dirty="0" err="1"/>
+              <a:t>bestehender</a:t>
+            </a:r>
+            <a:r>
+              <a:rPr dirty="0"/>
+              <a:t> Methode</a:t>
             </a:r>
           </a:p>
         </p:txBody>
@@ -4997,11 +5260,286 @@
   <p:clrMapOvr>
     <a:masterClrMapping/>
   </p:clrMapOvr>
+  <p:timing>
+    <p:tnLst>
+      <p:par>
+        <p:cTn id="1" dur="indefinite" restart="never" nodeType="tmRoot">
+          <p:childTnLst>
+            <p:seq concurrent="1" nextAc="seek">
+              <p:cTn id="2" dur="indefinite" nodeType="mainSeq">
+                <p:childTnLst>
+                  <p:par>
+                    <p:cTn id="3" fill="hold">
+                      <p:stCondLst>
+                        <p:cond delay="indefinite"/>
+                      </p:stCondLst>
+                      <p:childTnLst>
+                        <p:par>
+                          <p:cTn id="4" fill="hold">
+                            <p:stCondLst>
+                              <p:cond delay="0"/>
+                            </p:stCondLst>
+                            <p:childTnLst>
+                              <p:par>
+                                <p:cTn id="5" presetID="1" presetClass="entr" presetSubtype="0" fill="hold" nodeType="clickEffect">
+                                  <p:stCondLst>
+                                    <p:cond delay="0"/>
+                                  </p:stCondLst>
+                                  <p:childTnLst>
+                                    <p:set>
+                                      <p:cBhvr>
+                                        <p:cTn id="6" dur="1" fill="hold">
+                                          <p:stCondLst>
+                                            <p:cond delay="0"/>
+                                          </p:stCondLst>
+                                        </p:cTn>
+                                        <p:tgtEl>
+                                          <p:spTgt spid="3">
+                                            <p:txEl>
+                                              <p:pRg st="0" end="0"/>
+                                            </p:txEl>
+                                          </p:spTgt>
+                                        </p:tgtEl>
+                                        <p:attrNameLst>
+                                          <p:attrName>style.visibility</p:attrName>
+                                        </p:attrNameLst>
+                                      </p:cBhvr>
+                                      <p:to>
+                                        <p:strVal val="visible"/>
+                                      </p:to>
+                                    </p:set>
+                                  </p:childTnLst>
+                                </p:cTn>
+                              </p:par>
+                            </p:childTnLst>
+                          </p:cTn>
+                        </p:par>
+                      </p:childTnLst>
+                    </p:cTn>
+                  </p:par>
+                  <p:par>
+                    <p:cTn id="7" fill="hold">
+                      <p:stCondLst>
+                        <p:cond delay="indefinite"/>
+                      </p:stCondLst>
+                      <p:childTnLst>
+                        <p:par>
+                          <p:cTn id="8" fill="hold">
+                            <p:stCondLst>
+                              <p:cond delay="0"/>
+                            </p:stCondLst>
+                            <p:childTnLst>
+                              <p:par>
+                                <p:cTn id="9" presetID="1" presetClass="entr" presetSubtype="0" fill="hold" nodeType="clickEffect">
+                                  <p:stCondLst>
+                                    <p:cond delay="0"/>
+                                  </p:stCondLst>
+                                  <p:childTnLst>
+                                    <p:set>
+                                      <p:cBhvr>
+                                        <p:cTn id="10" dur="1" fill="hold">
+                                          <p:stCondLst>
+                                            <p:cond delay="0"/>
+                                          </p:stCondLst>
+                                        </p:cTn>
+                                        <p:tgtEl>
+                                          <p:spTgt spid="3">
+                                            <p:txEl>
+                                              <p:pRg st="1" end="1"/>
+                                            </p:txEl>
+                                          </p:spTgt>
+                                        </p:tgtEl>
+                                        <p:attrNameLst>
+                                          <p:attrName>style.visibility</p:attrName>
+                                        </p:attrNameLst>
+                                      </p:cBhvr>
+                                      <p:to>
+                                        <p:strVal val="visible"/>
+                                      </p:to>
+                                    </p:set>
+                                  </p:childTnLst>
+                                </p:cTn>
+                              </p:par>
+                            </p:childTnLst>
+                          </p:cTn>
+                        </p:par>
+                      </p:childTnLst>
+                    </p:cTn>
+                  </p:par>
+                  <p:par>
+                    <p:cTn id="11" fill="hold">
+                      <p:stCondLst>
+                        <p:cond delay="indefinite"/>
+                      </p:stCondLst>
+                      <p:childTnLst>
+                        <p:par>
+                          <p:cTn id="12" fill="hold">
+                            <p:stCondLst>
+                              <p:cond delay="0"/>
+                            </p:stCondLst>
+                            <p:childTnLst>
+                              <p:par>
+                                <p:cTn id="13" presetID="1" presetClass="entr" presetSubtype="0" fill="hold" nodeType="clickEffect">
+                                  <p:stCondLst>
+                                    <p:cond delay="0"/>
+                                  </p:stCondLst>
+                                  <p:childTnLst>
+                                    <p:set>
+                                      <p:cBhvr>
+                                        <p:cTn id="14" dur="1" fill="hold">
+                                          <p:stCondLst>
+                                            <p:cond delay="0"/>
+                                          </p:stCondLst>
+                                        </p:cTn>
+                                        <p:tgtEl>
+                                          <p:spTgt spid="3">
+                                            <p:txEl>
+                                              <p:pRg st="2" end="2"/>
+                                            </p:txEl>
+                                          </p:spTgt>
+                                        </p:tgtEl>
+                                        <p:attrNameLst>
+                                          <p:attrName>style.visibility</p:attrName>
+                                        </p:attrNameLst>
+                                      </p:cBhvr>
+                                      <p:to>
+                                        <p:strVal val="visible"/>
+                                      </p:to>
+                                    </p:set>
+                                  </p:childTnLst>
+                                </p:cTn>
+                              </p:par>
+                            </p:childTnLst>
+                          </p:cTn>
+                        </p:par>
+                      </p:childTnLst>
+                    </p:cTn>
+                  </p:par>
+                  <p:par>
+                    <p:cTn id="15" fill="hold">
+                      <p:stCondLst>
+                        <p:cond delay="indefinite"/>
+                      </p:stCondLst>
+                      <p:childTnLst>
+                        <p:par>
+                          <p:cTn id="16" fill="hold">
+                            <p:stCondLst>
+                              <p:cond delay="0"/>
+                            </p:stCondLst>
+                            <p:childTnLst>
+                              <p:par>
+                                <p:cTn id="17" presetID="1" presetClass="entr" presetSubtype="0" fill="hold" nodeType="clickEffect">
+                                  <p:stCondLst>
+                                    <p:cond delay="0"/>
+                                  </p:stCondLst>
+                                  <p:childTnLst>
+                                    <p:set>
+                                      <p:cBhvr>
+                                        <p:cTn id="18" dur="1" fill="hold">
+                                          <p:stCondLst>
+                                            <p:cond delay="0"/>
+                                          </p:stCondLst>
+                                        </p:cTn>
+                                        <p:tgtEl>
+                                          <p:spTgt spid="3">
+                                            <p:txEl>
+                                              <p:pRg st="3" end="3"/>
+                                            </p:txEl>
+                                          </p:spTgt>
+                                        </p:tgtEl>
+                                        <p:attrNameLst>
+                                          <p:attrName>style.visibility</p:attrName>
+                                        </p:attrNameLst>
+                                      </p:cBhvr>
+                                      <p:to>
+                                        <p:strVal val="visible"/>
+                                      </p:to>
+                                    </p:set>
+                                  </p:childTnLst>
+                                </p:cTn>
+                              </p:par>
+                            </p:childTnLst>
+                          </p:cTn>
+                        </p:par>
+                      </p:childTnLst>
+                    </p:cTn>
+                  </p:par>
+                  <p:par>
+                    <p:cTn id="19" fill="hold">
+                      <p:stCondLst>
+                        <p:cond delay="indefinite"/>
+                      </p:stCondLst>
+                      <p:childTnLst>
+                        <p:par>
+                          <p:cTn id="20" fill="hold">
+                            <p:stCondLst>
+                              <p:cond delay="0"/>
+                            </p:stCondLst>
+                            <p:childTnLst>
+                              <p:par>
+                                <p:cTn id="21" presetID="1" presetClass="entr" presetSubtype="0" fill="hold" nodeType="clickEffect">
+                                  <p:stCondLst>
+                                    <p:cond delay="0"/>
+                                  </p:stCondLst>
+                                  <p:childTnLst>
+                                    <p:set>
+                                      <p:cBhvr>
+                                        <p:cTn id="22" dur="1" fill="hold">
+                                          <p:stCondLst>
+                                            <p:cond delay="0"/>
+                                          </p:stCondLst>
+                                        </p:cTn>
+                                        <p:tgtEl>
+                                          <p:spTgt spid="3">
+                                            <p:txEl>
+                                              <p:pRg st="4" end="4"/>
+                                            </p:txEl>
+                                          </p:spTgt>
+                                        </p:tgtEl>
+                                        <p:attrNameLst>
+                                          <p:attrName>style.visibility</p:attrName>
+                                        </p:attrNameLst>
+                                      </p:cBhvr>
+                                      <p:to>
+                                        <p:strVal val="visible"/>
+                                      </p:to>
+                                    </p:set>
+                                  </p:childTnLst>
+                                </p:cTn>
+                              </p:par>
+                            </p:childTnLst>
+                          </p:cTn>
+                        </p:par>
+                      </p:childTnLst>
+                    </p:cTn>
+                  </p:par>
+                </p:childTnLst>
+              </p:cTn>
+              <p:prevCondLst>
+                <p:cond evt="onPrev" delay="0">
+                  <p:tgtEl>
+                    <p:sldTgt/>
+                  </p:tgtEl>
+                </p:cond>
+              </p:prevCondLst>
+              <p:nextCondLst>
+                <p:cond evt="onNext" delay="0">
+                  <p:tgtEl>
+                    <p:sldTgt/>
+                  </p:tgtEl>
+                </p:cond>
+              </p:nextCondLst>
+            </p:seq>
+          </p:childTnLst>
+        </p:cTn>
+      </p:par>
+    </p:tnLst>
+  </p:timing>
 </p:sld>
 </file>
 
-<file path=ppt/slides/slide2.xml><?xml version="1.0" encoding="utf-8"?>
-<p:sld xmlns:a="http://schemas.openxmlformats.org/drawingml/2006/main" xmlns:p="http://schemas.openxmlformats.org/presentationml/2006/main" xmlns:r="http://schemas.openxmlformats.org/officeDocument/2006/relationships">
+<file path=ppt/slides/slide4.xml><?xml version="1.0" encoding="utf-8"?>
+<p:sld xmlns:a="http://schemas.openxmlformats.org/drawingml/2006/main" xmlns:r="http://schemas.openxmlformats.org/officeDocument/2006/relationships" xmlns:p="http://schemas.openxmlformats.org/presentationml/2006/main">
   <p:cSld>
     <p:spTree>
       <p:nvGrpSpPr>
@@ -5009,7 +5547,14 @@
         <p:cNvGrpSpPr/>
         <p:nvPr/>
       </p:nvGrpSpPr>
-      <p:grpSpPr/>
+      <p:grpSpPr>
+        <a:xfrm>
+          <a:off x="0" y="0"/>
+          <a:ext cx="0" cy="0"/>
+          <a:chOff x="0" y="0"/>
+          <a:chExt cx="0" cy="0"/>
+        </a:xfrm>
+      </p:grpSpPr>
       <p:sp>
         <p:nvSpPr>
           <p:cNvPr id="2" name="Title 1"/>
@@ -5026,7 +5571,7 @@
           <a:lstStyle/>
           <a:p>
             <a:r>
-              <a:t>Factory Method - Was ist hier schlecht?</a:t>
+              <a:t>Lösung: Factory Method Pattern</a:t>
             </a:r>
           </a:p>
         </p:txBody>
@@ -5047,87 +5592,797 @@
           <a:lstStyle/>
           <a:p>
             <a:pPr>
+              <a:lnSpc>
+                <a:spcPct val="150000"/>
+              </a:lnSpc>
+            </a:pPr>
+            <a:r>
+              <a:rPr dirty="0" err="1"/>
+              <a:t>Definiert</a:t>
+            </a:r>
+            <a:r>
+              <a:rPr dirty="0"/>
+              <a:t> </a:t>
+            </a:r>
+            <a:r>
+              <a:rPr dirty="0" err="1"/>
+              <a:t>eine</a:t>
+            </a:r>
+            <a:r>
+              <a:rPr dirty="0"/>
+              <a:t> </a:t>
+            </a:r>
+            <a:r>
+              <a:rPr dirty="0" err="1"/>
+              <a:t>Schnittstelle</a:t>
+            </a:r>
+            <a:r>
+              <a:rPr dirty="0"/>
+              <a:t> </a:t>
+            </a:r>
+            <a:r>
+              <a:rPr dirty="0" err="1"/>
+              <a:t>zum</a:t>
+            </a:r>
+            <a:r>
+              <a:rPr dirty="0"/>
+              <a:t> </a:t>
+            </a:r>
+            <a:r>
+              <a:rPr dirty="0" err="1"/>
+              <a:t>Erstellen</a:t>
+            </a:r>
+            <a:r>
+              <a:rPr dirty="0"/>
+              <a:t> von </a:t>
+            </a:r>
+            <a:r>
+              <a:rPr dirty="0" err="1"/>
+              <a:t>Objekten</a:t>
+            </a:r>
+            <a:endParaRPr dirty="0"/>
+          </a:p>
+          <a:p>
+            <a:pPr>
+              <a:lnSpc>
+                <a:spcPct val="150000"/>
+              </a:lnSpc>
+            </a:pPr>
+            <a:r>
+              <a:rPr dirty="0" err="1"/>
+              <a:t>Unterklassen</a:t>
+            </a:r>
+            <a:r>
+              <a:rPr dirty="0"/>
+              <a:t> </a:t>
+            </a:r>
+            <a:r>
+              <a:rPr dirty="0" err="1"/>
+              <a:t>entscheiden</a:t>
+            </a:r>
+            <a:r>
+              <a:rPr dirty="0"/>
+              <a:t>, </a:t>
+            </a:r>
+            <a:r>
+              <a:rPr dirty="0" err="1"/>
+              <a:t>welche</a:t>
+            </a:r>
+            <a:r>
+              <a:rPr dirty="0"/>
+              <a:t> Klasse </a:t>
+            </a:r>
+            <a:r>
+              <a:rPr dirty="0" err="1"/>
+              <a:t>instantiiert</a:t>
+            </a:r>
+            <a:r>
+              <a:rPr dirty="0"/>
+              <a:t> </a:t>
+            </a:r>
+            <a:r>
+              <a:rPr dirty="0" err="1"/>
+              <a:t>wird</a:t>
+            </a:r>
+            <a:endParaRPr dirty="0"/>
+          </a:p>
+          <a:p>
+            <a:pPr>
+              <a:lnSpc>
+                <a:spcPct val="150000"/>
+              </a:lnSpc>
+            </a:pPr>
+            <a:r>
+              <a:rPr dirty="0" err="1"/>
+              <a:t>Polymorphismus</a:t>
+            </a:r>
+            <a:r>
+              <a:rPr dirty="0"/>
+              <a:t> </a:t>
+            </a:r>
+            <a:r>
+              <a:rPr dirty="0" err="1"/>
+              <a:t>statt</a:t>
+            </a:r>
+            <a:r>
+              <a:rPr dirty="0"/>
+              <a:t> </a:t>
+            </a:r>
+            <a:r>
+              <a:rPr dirty="0" err="1"/>
+              <a:t>Konditionals</a:t>
+            </a:r>
+            <a:endParaRPr dirty="0"/>
+          </a:p>
+          <a:p>
+            <a:pPr>
+              <a:lnSpc>
+                <a:spcPct val="150000"/>
+              </a:lnSpc>
+            </a:pPr>
+            <a:r>
+              <a:rPr dirty="0" err="1"/>
+              <a:t>Erweiterbarkeit</a:t>
+            </a:r>
+            <a:r>
+              <a:rPr dirty="0"/>
+              <a:t> </a:t>
+            </a:r>
+            <a:r>
+              <a:rPr dirty="0" err="1"/>
+              <a:t>ohne</a:t>
+            </a:r>
+            <a:r>
+              <a:rPr dirty="0"/>
+              <a:t> </a:t>
+            </a:r>
+            <a:r>
+              <a:rPr dirty="0" err="1"/>
+              <a:t>Modifikation</a:t>
+            </a:r>
+            <a:r>
+              <a:rPr dirty="0"/>
+              <a:t> </a:t>
+            </a:r>
+            <a:r>
+              <a:rPr dirty="0" err="1"/>
+              <a:t>bestehenden</a:t>
+            </a:r>
+            <a:r>
+              <a:rPr dirty="0"/>
+              <a:t> Codes</a:t>
+            </a:r>
+          </a:p>
+          <a:p>
+            <a:pPr>
+              <a:lnSpc>
+                <a:spcPct val="150000"/>
+              </a:lnSpc>
+            </a:pPr>
+            <a:r>
+              <a:rPr dirty="0"/>
+              <a:t>Template Method </a:t>
+            </a:r>
+            <a:r>
+              <a:rPr dirty="0" err="1"/>
+              <a:t>verwendet</a:t>
+            </a:r>
+            <a:r>
+              <a:rPr dirty="0"/>
+              <a:t> Factory Method</a:t>
+            </a:r>
+          </a:p>
+          <a:p>
+            <a:pPr>
+              <a:lnSpc>
+                <a:spcPct val="150000"/>
+              </a:lnSpc>
+            </a:pPr>
+            <a:r>
+              <a:rPr dirty="0" err="1"/>
+              <a:t>Gemeinsame</a:t>
+            </a:r>
+            <a:r>
+              <a:rPr dirty="0"/>
+              <a:t> </a:t>
+            </a:r>
+            <a:r>
+              <a:rPr dirty="0" err="1"/>
+              <a:t>Geschäftslogik</a:t>
+            </a:r>
+            <a:r>
+              <a:rPr dirty="0"/>
+              <a:t> in Creator-Klasse</a:t>
+            </a:r>
+          </a:p>
+        </p:txBody>
+      </p:sp>
+    </p:spTree>
+  </p:cSld>
+  <p:clrMapOvr>
+    <a:masterClrMapping/>
+  </p:clrMapOvr>
+  <p:timing>
+    <p:tnLst>
+      <p:par>
+        <p:cTn id="1" dur="indefinite" restart="never" nodeType="tmRoot">
+          <p:childTnLst>
+            <p:seq concurrent="1" nextAc="seek">
+              <p:cTn id="2" dur="indefinite" nodeType="mainSeq">
+                <p:childTnLst>
+                  <p:par>
+                    <p:cTn id="3" fill="hold">
+                      <p:stCondLst>
+                        <p:cond delay="indefinite"/>
+                      </p:stCondLst>
+                      <p:childTnLst>
+                        <p:par>
+                          <p:cTn id="4" fill="hold">
+                            <p:stCondLst>
+                              <p:cond delay="0"/>
+                            </p:stCondLst>
+                            <p:childTnLst>
+                              <p:par>
+                                <p:cTn id="5" presetID="1" presetClass="entr" presetSubtype="0" fill="hold" nodeType="clickEffect">
+                                  <p:stCondLst>
+                                    <p:cond delay="0"/>
+                                  </p:stCondLst>
+                                  <p:childTnLst>
+                                    <p:set>
+                                      <p:cBhvr>
+                                        <p:cTn id="6" dur="1" fill="hold">
+                                          <p:stCondLst>
+                                            <p:cond delay="0"/>
+                                          </p:stCondLst>
+                                        </p:cTn>
+                                        <p:tgtEl>
+                                          <p:spTgt spid="3">
+                                            <p:txEl>
+                                              <p:pRg st="0" end="0"/>
+                                            </p:txEl>
+                                          </p:spTgt>
+                                        </p:tgtEl>
+                                        <p:attrNameLst>
+                                          <p:attrName>style.visibility</p:attrName>
+                                        </p:attrNameLst>
+                                      </p:cBhvr>
+                                      <p:to>
+                                        <p:strVal val="visible"/>
+                                      </p:to>
+                                    </p:set>
+                                  </p:childTnLst>
+                                </p:cTn>
+                              </p:par>
+                            </p:childTnLst>
+                          </p:cTn>
+                        </p:par>
+                      </p:childTnLst>
+                    </p:cTn>
+                  </p:par>
+                  <p:par>
+                    <p:cTn id="7" fill="hold">
+                      <p:stCondLst>
+                        <p:cond delay="indefinite"/>
+                      </p:stCondLst>
+                      <p:childTnLst>
+                        <p:par>
+                          <p:cTn id="8" fill="hold">
+                            <p:stCondLst>
+                              <p:cond delay="0"/>
+                            </p:stCondLst>
+                            <p:childTnLst>
+                              <p:par>
+                                <p:cTn id="9" presetID="1" presetClass="entr" presetSubtype="0" fill="hold" nodeType="clickEffect">
+                                  <p:stCondLst>
+                                    <p:cond delay="0"/>
+                                  </p:stCondLst>
+                                  <p:childTnLst>
+                                    <p:set>
+                                      <p:cBhvr>
+                                        <p:cTn id="10" dur="1" fill="hold">
+                                          <p:stCondLst>
+                                            <p:cond delay="0"/>
+                                          </p:stCondLst>
+                                        </p:cTn>
+                                        <p:tgtEl>
+                                          <p:spTgt spid="3">
+                                            <p:txEl>
+                                              <p:pRg st="1" end="1"/>
+                                            </p:txEl>
+                                          </p:spTgt>
+                                        </p:tgtEl>
+                                        <p:attrNameLst>
+                                          <p:attrName>style.visibility</p:attrName>
+                                        </p:attrNameLst>
+                                      </p:cBhvr>
+                                      <p:to>
+                                        <p:strVal val="visible"/>
+                                      </p:to>
+                                    </p:set>
+                                  </p:childTnLst>
+                                </p:cTn>
+                              </p:par>
+                            </p:childTnLst>
+                          </p:cTn>
+                        </p:par>
+                      </p:childTnLst>
+                    </p:cTn>
+                  </p:par>
+                  <p:par>
+                    <p:cTn id="11" fill="hold">
+                      <p:stCondLst>
+                        <p:cond delay="indefinite"/>
+                      </p:stCondLst>
+                      <p:childTnLst>
+                        <p:par>
+                          <p:cTn id="12" fill="hold">
+                            <p:stCondLst>
+                              <p:cond delay="0"/>
+                            </p:stCondLst>
+                            <p:childTnLst>
+                              <p:par>
+                                <p:cTn id="13" presetID="1" presetClass="entr" presetSubtype="0" fill="hold" nodeType="clickEffect">
+                                  <p:stCondLst>
+                                    <p:cond delay="0"/>
+                                  </p:stCondLst>
+                                  <p:childTnLst>
+                                    <p:set>
+                                      <p:cBhvr>
+                                        <p:cTn id="14" dur="1" fill="hold">
+                                          <p:stCondLst>
+                                            <p:cond delay="0"/>
+                                          </p:stCondLst>
+                                        </p:cTn>
+                                        <p:tgtEl>
+                                          <p:spTgt spid="3">
+                                            <p:txEl>
+                                              <p:pRg st="2" end="2"/>
+                                            </p:txEl>
+                                          </p:spTgt>
+                                        </p:tgtEl>
+                                        <p:attrNameLst>
+                                          <p:attrName>style.visibility</p:attrName>
+                                        </p:attrNameLst>
+                                      </p:cBhvr>
+                                      <p:to>
+                                        <p:strVal val="visible"/>
+                                      </p:to>
+                                    </p:set>
+                                  </p:childTnLst>
+                                </p:cTn>
+                              </p:par>
+                            </p:childTnLst>
+                          </p:cTn>
+                        </p:par>
+                      </p:childTnLst>
+                    </p:cTn>
+                  </p:par>
+                  <p:par>
+                    <p:cTn id="15" fill="hold">
+                      <p:stCondLst>
+                        <p:cond delay="indefinite"/>
+                      </p:stCondLst>
+                      <p:childTnLst>
+                        <p:par>
+                          <p:cTn id="16" fill="hold">
+                            <p:stCondLst>
+                              <p:cond delay="0"/>
+                            </p:stCondLst>
+                            <p:childTnLst>
+                              <p:par>
+                                <p:cTn id="17" presetID="1" presetClass="entr" presetSubtype="0" fill="hold" nodeType="clickEffect">
+                                  <p:stCondLst>
+                                    <p:cond delay="0"/>
+                                  </p:stCondLst>
+                                  <p:childTnLst>
+                                    <p:set>
+                                      <p:cBhvr>
+                                        <p:cTn id="18" dur="1" fill="hold">
+                                          <p:stCondLst>
+                                            <p:cond delay="0"/>
+                                          </p:stCondLst>
+                                        </p:cTn>
+                                        <p:tgtEl>
+                                          <p:spTgt spid="3">
+                                            <p:txEl>
+                                              <p:pRg st="3" end="3"/>
+                                            </p:txEl>
+                                          </p:spTgt>
+                                        </p:tgtEl>
+                                        <p:attrNameLst>
+                                          <p:attrName>style.visibility</p:attrName>
+                                        </p:attrNameLst>
+                                      </p:cBhvr>
+                                      <p:to>
+                                        <p:strVal val="visible"/>
+                                      </p:to>
+                                    </p:set>
+                                  </p:childTnLst>
+                                </p:cTn>
+                              </p:par>
+                            </p:childTnLst>
+                          </p:cTn>
+                        </p:par>
+                      </p:childTnLst>
+                    </p:cTn>
+                  </p:par>
+                  <p:par>
+                    <p:cTn id="19" fill="hold">
+                      <p:stCondLst>
+                        <p:cond delay="indefinite"/>
+                      </p:stCondLst>
+                      <p:childTnLst>
+                        <p:par>
+                          <p:cTn id="20" fill="hold">
+                            <p:stCondLst>
+                              <p:cond delay="0"/>
+                            </p:stCondLst>
+                            <p:childTnLst>
+                              <p:par>
+                                <p:cTn id="21" presetID="1" presetClass="entr" presetSubtype="0" fill="hold" nodeType="clickEffect">
+                                  <p:stCondLst>
+                                    <p:cond delay="0"/>
+                                  </p:stCondLst>
+                                  <p:childTnLst>
+                                    <p:set>
+                                      <p:cBhvr>
+                                        <p:cTn id="22" dur="1" fill="hold">
+                                          <p:stCondLst>
+                                            <p:cond delay="0"/>
+                                          </p:stCondLst>
+                                        </p:cTn>
+                                        <p:tgtEl>
+                                          <p:spTgt spid="3">
+                                            <p:txEl>
+                                              <p:pRg st="4" end="4"/>
+                                            </p:txEl>
+                                          </p:spTgt>
+                                        </p:tgtEl>
+                                        <p:attrNameLst>
+                                          <p:attrName>style.visibility</p:attrName>
+                                        </p:attrNameLst>
+                                      </p:cBhvr>
+                                      <p:to>
+                                        <p:strVal val="visible"/>
+                                      </p:to>
+                                    </p:set>
+                                  </p:childTnLst>
+                                </p:cTn>
+                              </p:par>
+                            </p:childTnLst>
+                          </p:cTn>
+                        </p:par>
+                      </p:childTnLst>
+                    </p:cTn>
+                  </p:par>
+                  <p:par>
+                    <p:cTn id="23" fill="hold">
+                      <p:stCondLst>
+                        <p:cond delay="indefinite"/>
+                      </p:stCondLst>
+                      <p:childTnLst>
+                        <p:par>
+                          <p:cTn id="24" fill="hold">
+                            <p:stCondLst>
+                              <p:cond delay="0"/>
+                            </p:stCondLst>
+                            <p:childTnLst>
+                              <p:par>
+                                <p:cTn id="25" presetID="1" presetClass="entr" presetSubtype="0" fill="hold" nodeType="clickEffect">
+                                  <p:stCondLst>
+                                    <p:cond delay="0"/>
+                                  </p:stCondLst>
+                                  <p:childTnLst>
+                                    <p:set>
+                                      <p:cBhvr>
+                                        <p:cTn id="26" dur="1" fill="hold">
+                                          <p:stCondLst>
+                                            <p:cond delay="0"/>
+                                          </p:stCondLst>
+                                        </p:cTn>
+                                        <p:tgtEl>
+                                          <p:spTgt spid="3">
+                                            <p:txEl>
+                                              <p:pRg st="5" end="5"/>
+                                            </p:txEl>
+                                          </p:spTgt>
+                                        </p:tgtEl>
+                                        <p:attrNameLst>
+                                          <p:attrName>style.visibility</p:attrName>
+                                        </p:attrNameLst>
+                                      </p:cBhvr>
+                                      <p:to>
+                                        <p:strVal val="visible"/>
+                                      </p:to>
+                                    </p:set>
+                                  </p:childTnLst>
+                                </p:cTn>
+                              </p:par>
+                            </p:childTnLst>
+                          </p:cTn>
+                        </p:par>
+                      </p:childTnLst>
+                    </p:cTn>
+                  </p:par>
+                </p:childTnLst>
+              </p:cTn>
+              <p:prevCondLst>
+                <p:cond evt="onPrev" delay="0">
+                  <p:tgtEl>
+                    <p:sldTgt/>
+                  </p:tgtEl>
+                </p:cond>
+              </p:prevCondLst>
+              <p:nextCondLst>
+                <p:cond evt="onNext" delay="0">
+                  <p:tgtEl>
+                    <p:sldTgt/>
+                  </p:tgtEl>
+                </p:cond>
+              </p:nextCondLst>
+            </p:seq>
+          </p:childTnLst>
+        </p:cTn>
+      </p:par>
+    </p:tnLst>
+  </p:timing>
+</p:sld>
+</file>
+
+<file path=ppt/slides/slide5.xml><?xml version="1.0" encoding="utf-8"?>
+<p:sld xmlns:a="http://schemas.openxmlformats.org/drawingml/2006/main" xmlns:r="http://schemas.openxmlformats.org/officeDocument/2006/relationships" xmlns:p="http://schemas.openxmlformats.org/presentationml/2006/main">
+  <p:cSld>
+    <p:spTree>
+      <p:nvGrpSpPr>
+        <p:cNvPr id="1" name=""/>
+        <p:cNvGrpSpPr/>
+        <p:nvPr/>
+      </p:nvGrpSpPr>
+      <p:grpSpPr>
+        <a:xfrm>
+          <a:off x="0" y="0"/>
+          <a:ext cx="0" cy="0"/>
+          <a:chOff x="0" y="0"/>
+          <a:chExt cx="0" cy="0"/>
+        </a:xfrm>
+      </p:grpSpPr>
+      <p:sp>
+        <p:nvSpPr>
+          <p:cNvPr id="2" name="Title 1"/>
+          <p:cNvSpPr>
+            <a:spLocks noGrp="1"/>
+          </p:cNvSpPr>
+          <p:nvPr>
+            <p:ph type="title"/>
+          </p:nvPr>
+        </p:nvSpPr>
+        <p:spPr/>
+        <p:txBody>
+          <a:bodyPr/>
+          <a:lstStyle/>
+          <a:p>
+            <a:r>
+              <a:t>Implementierung - Factory Method Creator</a:t>
+            </a:r>
+          </a:p>
+        </p:txBody>
+      </p:sp>
+      <p:sp>
+        <p:nvSpPr>
+          <p:cNvPr id="3" name="Content Placeholder 2"/>
+          <p:cNvSpPr>
+            <a:spLocks noGrp="1"/>
+          </p:cNvSpPr>
+          <p:nvPr>
+            <p:ph idx="1"/>
+          </p:nvPr>
+        </p:nvSpPr>
+        <p:spPr/>
+        <p:txBody>
+          <a:bodyPr>
+            <a:normAutofit/>
+          </a:bodyPr>
+          <a:lstStyle/>
+          <a:p>
+            <a:pPr>
               <a:defRPr sz="1100">
                 <a:latin typeface="Consolas"/>
               </a:defRPr>
             </a:pPr>
             <a:r>
-              <a:t>public class CustomerManager {</a:t>
-            </a:r>
-            <a:br/>
-            <a:r>
-              <a:t>    public Customer createCustomer(String type, String name, String contractId) {</a:t>
-            </a:r>
-            <a:br/>
-            <a:r>
-              <a:t>        switch (type) {</a:t>
-            </a:r>
-            <a:br/>
-            <a:r>
-              <a:t>            case "PRIVATE":</a:t>
-            </a:r>
-            <a:br/>
-            <a:r>
-              <a:t>                Customer privateCustomer = new Customer();</a:t>
-            </a:r>
-            <a:br/>
-            <a:r>
-              <a:t>                privateCustomer.setName(name);</a:t>
-            </a:r>
-            <a:br/>
-            <a:r>
-              <a:t>                privateCustomer.setTariffOptions(Arrays.asList("Basic", "Comfort"));</a:t>
-            </a:r>
-            <a:br/>
-            <a:r>
-              <a:t>                privateCustomer.setPaymentMethod("SEPA");</a:t>
-            </a:r>
-            <a:br/>
-            <a:r>
-              <a:t>                return privateCustomer;</a:t>
-            </a:r>
-            <a:br/>
-            <a:r>
-              <a:t>            case "BUSINESS":</a:t>
-            </a:r>
-            <a:br/>
-            <a:r>
-              <a:t>                Customer businessCustomer = new Customer();</a:t>
-            </a:r>
-            <a:br/>
-            <a:r>
-              <a:t>                businessCustomer.setName(name);</a:t>
-            </a:r>
-            <a:br/>
-            <a:r>
-              <a:t>                businessCustomer.setTariffOptions(Arrays.asList("Professional", "Enterprise"));</a:t>
-            </a:r>
-            <a:br/>
-            <a:r>
-              <a:t>                businessCustomer.setPaymentMethod("Invoice");</a:t>
-            </a:r>
-            <a:br/>
-            <a:r>
-              <a:t>                return businessCustomer;</a:t>
-            </a:r>
-            <a:br/>
-            <a:r>
-              <a:t>            default:</a:t>
-            </a:r>
-            <a:br/>
-            <a:r>
-              <a:t>                throw new IllegalArgumentException("Unknown customer type: " + type);</a:t>
-            </a:r>
-            <a:br/>
-            <a:r>
-              <a:t>        }</a:t>
-            </a:r>
-            <a:br/>
-            <a:r>
+              <a:rPr sz="2000" dirty="0"/>
+              <a:t>public abstract class </a:t>
+            </a:r>
+            <a:r>
+              <a:rPr sz="2000" dirty="0" err="1"/>
+              <a:t>CustomerFactory</a:t>
+            </a:r>
+            <a:r>
+              <a:rPr sz="2000" dirty="0"/>
+              <a:t> {</a:t>
+            </a:r>
+            <a:br>
+              <a:rPr sz="2000" dirty="0"/>
+            </a:br>
+            <a:r>
+              <a:rPr sz="2000" dirty="0"/>
+              <a:t>    // Factory Method - </a:t>
+            </a:r>
+            <a:r>
+              <a:rPr sz="2000" dirty="0" err="1"/>
+              <a:t>zu</a:t>
+            </a:r>
+            <a:r>
+              <a:rPr sz="2000" dirty="0"/>
+              <a:t> </a:t>
+            </a:r>
+            <a:r>
+              <a:rPr sz="2000" dirty="0" err="1"/>
+              <a:t>implementieren</a:t>
+            </a:r>
+            <a:r>
+              <a:rPr sz="2000" dirty="0"/>
+              <a:t> von </a:t>
+            </a:r>
+            <a:r>
+              <a:rPr sz="2000" dirty="0" err="1"/>
+              <a:t>Subklassen</a:t>
+            </a:r>
+            <a:br>
+              <a:rPr sz="2000" dirty="0"/>
+            </a:br>
+            <a:r>
+              <a:rPr sz="2000" dirty="0"/>
+              <a:t>    protected abstract Customer </a:t>
+            </a:r>
+            <a:r>
+              <a:rPr sz="2000" dirty="0" err="1"/>
+              <a:t>createCustomer</a:t>
+            </a:r>
+            <a:r>
+              <a:rPr sz="2000" dirty="0"/>
+              <a:t>(String name, String </a:t>
+            </a:r>
+            <a:r>
+              <a:rPr sz="2000" dirty="0" err="1"/>
+              <a:t>contractId</a:t>
+            </a:r>
+            <a:r>
+              <a:rPr sz="2000" dirty="0"/>
+              <a:t>);</a:t>
+            </a:r>
+            <a:br>
+              <a:rPr sz="2000" dirty="0"/>
+            </a:br>
+            <a:r>
+              <a:rPr sz="2000" dirty="0"/>
+              <a:t>    </a:t>
+            </a:r>
+            <a:br>
+              <a:rPr sz="2000" dirty="0"/>
+            </a:br>
+            <a:r>
+              <a:rPr sz="2000" dirty="0"/>
+              <a:t>    // Template Method - </a:t>
+            </a:r>
+            <a:r>
+              <a:rPr sz="2000" dirty="0" err="1"/>
+              <a:t>verwendet</a:t>
+            </a:r>
+            <a:r>
+              <a:rPr sz="2000" dirty="0"/>
+              <a:t> Factory Method</a:t>
+            </a:r>
+            <a:br>
+              <a:rPr sz="2000" dirty="0"/>
+            </a:br>
+            <a:r>
+              <a:rPr sz="2000" dirty="0"/>
+              <a:t>    public Customer </a:t>
+            </a:r>
+            <a:r>
+              <a:rPr sz="2000" dirty="0" err="1"/>
+              <a:t>processNewCustomer</a:t>
+            </a:r>
+            <a:r>
+              <a:rPr sz="2000" dirty="0"/>
+              <a:t>(String name, String </a:t>
+            </a:r>
+            <a:r>
+              <a:rPr sz="2000" dirty="0" err="1"/>
+              <a:t>contractId</a:t>
+            </a:r>
+            <a:r>
+              <a:rPr sz="2000" dirty="0"/>
+              <a:t>) {</a:t>
+            </a:r>
+            <a:br>
+              <a:rPr sz="2000" dirty="0"/>
+            </a:br>
+            <a:r>
+              <a:rPr sz="2000" dirty="0"/>
+              <a:t>        Customer customer = </a:t>
+            </a:r>
+            <a:r>
+              <a:rPr sz="2000" dirty="0" err="1"/>
+              <a:t>createCustomer</a:t>
+            </a:r>
+            <a:r>
+              <a:rPr sz="2000" dirty="0"/>
+              <a:t>(name, </a:t>
+            </a:r>
+            <a:r>
+              <a:rPr sz="2000" dirty="0" err="1"/>
+              <a:t>contractId</a:t>
+            </a:r>
+            <a:r>
+              <a:rPr sz="2000" dirty="0"/>
+              <a:t>);</a:t>
+            </a:r>
+            <a:br>
+              <a:rPr sz="2000" dirty="0"/>
+            </a:br>
+            <a:r>
+              <a:rPr sz="2000" dirty="0"/>
+              <a:t>        </a:t>
+            </a:r>
+            <a:r>
+              <a:rPr sz="2000" dirty="0" err="1"/>
+              <a:t>validateContract</a:t>
+            </a:r>
+            <a:r>
+              <a:rPr sz="2000" dirty="0"/>
+              <a:t>(customer);</a:t>
+            </a:r>
+            <a:br>
+              <a:rPr sz="2000" dirty="0"/>
+            </a:br>
+            <a:r>
+              <a:rPr sz="2000" dirty="0"/>
+              <a:t>        </a:t>
+            </a:r>
+            <a:r>
+              <a:rPr sz="2000" dirty="0" err="1"/>
+              <a:t>persistCustomer</a:t>
+            </a:r>
+            <a:r>
+              <a:rPr sz="2000" dirty="0"/>
+              <a:t>(customer);</a:t>
+            </a:r>
+            <a:br>
+              <a:rPr sz="2000" dirty="0"/>
+            </a:br>
+            <a:r>
+              <a:rPr sz="2000" dirty="0"/>
+              <a:t>        </a:t>
+            </a:r>
+            <a:r>
+              <a:rPr sz="2000" dirty="0" err="1"/>
+              <a:t>sendWelcomeMessage</a:t>
+            </a:r>
+            <a:r>
+              <a:rPr sz="2000" dirty="0"/>
+              <a:t>(customer);</a:t>
+            </a:r>
+            <a:br>
+              <a:rPr sz="2000" dirty="0"/>
+            </a:br>
+            <a:r>
+              <a:rPr sz="2000" dirty="0"/>
+              <a:t>        return customer;</a:t>
+            </a:r>
+            <a:br>
+              <a:rPr sz="2000" dirty="0"/>
+            </a:br>
+            <a:r>
+              <a:rPr sz="2000" dirty="0"/>
               <a:t>    }</a:t>
             </a:r>
-            <a:br/>
-            <a:r>
+            <a:br>
+              <a:rPr sz="2000" dirty="0"/>
+            </a:br>
+            <a:r>
+              <a:rPr sz="2000" dirty="0"/>
               <a:t>}</a:t>
             </a:r>
           </a:p>
@@ -5141,8 +6396,8 @@
 </p:sld>
 </file>
 
-<file path=ppt/slides/slide3.xml><?xml version="1.0" encoding="utf-8"?>
-<p:sld xmlns:a="http://schemas.openxmlformats.org/drawingml/2006/main" xmlns:p="http://schemas.openxmlformats.org/presentationml/2006/main" xmlns:r="http://schemas.openxmlformats.org/officeDocument/2006/relationships">
+<file path=ppt/slides/slide6.xml><?xml version="1.0" encoding="utf-8"?>
+<p:sld xmlns:a="http://schemas.openxmlformats.org/drawingml/2006/main" xmlns:r="http://schemas.openxmlformats.org/officeDocument/2006/relationships" xmlns:p="http://schemas.openxmlformats.org/presentationml/2006/main">
   <p:cSld>
     <p:spTree>
       <p:nvGrpSpPr>
@@ -5150,7 +6405,730 @@
         <p:cNvGrpSpPr/>
         <p:nvPr/>
       </p:nvGrpSpPr>
-      <p:grpSpPr/>
+      <p:grpSpPr>
+        <a:xfrm>
+          <a:off x="0" y="0"/>
+          <a:ext cx="0" cy="0"/>
+          <a:chOff x="0" y="0"/>
+          <a:chExt cx="0" cy="0"/>
+        </a:xfrm>
+      </p:grpSpPr>
+      <p:sp>
+        <p:nvSpPr>
+          <p:cNvPr id="2" name="Title 1"/>
+          <p:cNvSpPr>
+            <a:spLocks noGrp="1"/>
+          </p:cNvSpPr>
+          <p:nvPr>
+            <p:ph type="title"/>
+          </p:nvPr>
+        </p:nvSpPr>
+        <p:spPr/>
+        <p:txBody>
+          <a:bodyPr/>
+          <a:lstStyle/>
+          <a:p>
+            <a:r>
+              <a:t>Implementierung - Konkrete Factories</a:t>
+            </a:r>
+          </a:p>
+        </p:txBody>
+      </p:sp>
+      <p:sp>
+        <p:nvSpPr>
+          <p:cNvPr id="3" name="Content Placeholder 2"/>
+          <p:cNvSpPr>
+            <a:spLocks noGrp="1"/>
+          </p:cNvSpPr>
+          <p:nvPr>
+            <p:ph idx="1"/>
+          </p:nvPr>
+        </p:nvSpPr>
+        <p:spPr/>
+        <p:txBody>
+          <a:bodyPr>
+            <a:normAutofit/>
+          </a:bodyPr>
+          <a:lstStyle/>
+          <a:p>
+            <a:pPr>
+              <a:defRPr sz="1100">
+                <a:latin typeface="Consolas"/>
+              </a:defRPr>
+            </a:pPr>
+            <a:r>
+              <a:rPr sz="2000" dirty="0"/>
+              <a:t>public class </a:t>
+            </a:r>
+            <a:r>
+              <a:rPr sz="2000" dirty="0" err="1"/>
+              <a:t>PrivateCustomerFactory</a:t>
+            </a:r>
+            <a:r>
+              <a:rPr sz="2000" dirty="0"/>
+              <a:t> extends </a:t>
+            </a:r>
+            <a:r>
+              <a:rPr sz="2000" dirty="0" err="1"/>
+              <a:t>CustomerFactory</a:t>
+            </a:r>
+            <a:r>
+              <a:rPr sz="2000" dirty="0"/>
+              <a:t> {</a:t>
+            </a:r>
+            <a:br>
+              <a:rPr sz="2000" dirty="0"/>
+            </a:br>
+            <a:r>
+              <a:rPr sz="2000" dirty="0"/>
+              <a:t>    @Override</a:t>
+            </a:r>
+            <a:br>
+              <a:rPr sz="2000" dirty="0"/>
+            </a:br>
+            <a:r>
+              <a:rPr sz="2000" dirty="0"/>
+              <a:t>    protected Customer </a:t>
+            </a:r>
+            <a:r>
+              <a:rPr sz="2000" dirty="0" err="1"/>
+              <a:t>createCustomer</a:t>
+            </a:r>
+            <a:r>
+              <a:rPr sz="2000" dirty="0"/>
+              <a:t>(String name, String </a:t>
+            </a:r>
+            <a:r>
+              <a:rPr sz="2000" dirty="0" err="1"/>
+              <a:t>contractId</a:t>
+            </a:r>
+            <a:r>
+              <a:rPr sz="2000" dirty="0"/>
+              <a:t>) {</a:t>
+            </a:r>
+            <a:br>
+              <a:rPr sz="2000" dirty="0"/>
+            </a:br>
+            <a:r>
+              <a:rPr sz="2000" dirty="0"/>
+              <a:t>        return new </a:t>
+            </a:r>
+            <a:r>
+              <a:rPr sz="2000" dirty="0" err="1"/>
+              <a:t>PrivateCustomer</a:t>
+            </a:r>
+            <a:r>
+              <a:rPr sz="2000" dirty="0"/>
+              <a:t>(name, </a:t>
+            </a:r>
+            <a:r>
+              <a:rPr sz="2000" dirty="0" err="1"/>
+              <a:t>contractId</a:t>
+            </a:r>
+            <a:r>
+              <a:rPr sz="2000" dirty="0"/>
+              <a:t>);</a:t>
+            </a:r>
+            <a:br>
+              <a:rPr sz="2000" dirty="0"/>
+            </a:br>
+            <a:r>
+              <a:rPr sz="2000" dirty="0"/>
+              <a:t>    }</a:t>
+            </a:r>
+            <a:br>
+              <a:rPr sz="2000" dirty="0"/>
+            </a:br>
+            <a:r>
+              <a:rPr sz="2000" dirty="0"/>
+              <a:t>}</a:t>
+            </a:r>
+            <a:br>
+              <a:rPr sz="2000" dirty="0"/>
+            </a:br>
+            <a:br>
+              <a:rPr sz="2000" dirty="0"/>
+            </a:br>
+            <a:r>
+              <a:rPr sz="2000" dirty="0"/>
+              <a:t>public class BusinessCustomerFactory extends </a:t>
+            </a:r>
+            <a:r>
+              <a:rPr sz="2000" dirty="0" err="1"/>
+              <a:t>CustomerFactory</a:t>
+            </a:r>
+            <a:r>
+              <a:rPr sz="2000" dirty="0"/>
+              <a:t> {</a:t>
+            </a:r>
+            <a:br>
+              <a:rPr sz="2000" dirty="0"/>
+            </a:br>
+            <a:r>
+              <a:rPr sz="2000" dirty="0"/>
+              <a:t>    @Override</a:t>
+            </a:r>
+            <a:br>
+              <a:rPr sz="2000" dirty="0"/>
+            </a:br>
+            <a:r>
+              <a:rPr sz="2000" dirty="0"/>
+              <a:t>    protected Customer </a:t>
+            </a:r>
+            <a:r>
+              <a:rPr sz="2000" dirty="0" err="1"/>
+              <a:t>createCustomer</a:t>
+            </a:r>
+            <a:r>
+              <a:rPr sz="2000" dirty="0"/>
+              <a:t>(String name, String </a:t>
+            </a:r>
+            <a:r>
+              <a:rPr sz="2000" dirty="0" err="1"/>
+              <a:t>contractId</a:t>
+            </a:r>
+            <a:r>
+              <a:rPr sz="2000" dirty="0"/>
+              <a:t>) {</a:t>
+            </a:r>
+            <a:br>
+              <a:rPr sz="2000" dirty="0"/>
+            </a:br>
+            <a:r>
+              <a:rPr sz="2000" dirty="0"/>
+              <a:t>        return new </a:t>
+            </a:r>
+            <a:r>
+              <a:rPr sz="2000" dirty="0" err="1"/>
+              <a:t>BusinessCustomer</a:t>
+            </a:r>
+            <a:r>
+              <a:rPr sz="2000" dirty="0"/>
+              <a:t>(name, </a:t>
+            </a:r>
+            <a:r>
+              <a:rPr sz="2000" dirty="0" err="1"/>
+              <a:t>contractId</a:t>
+            </a:r>
+            <a:r>
+              <a:rPr sz="2000" dirty="0"/>
+              <a:t>);</a:t>
+            </a:r>
+            <a:br>
+              <a:rPr sz="2000" dirty="0"/>
+            </a:br>
+            <a:r>
+              <a:rPr sz="2000" dirty="0"/>
+              <a:t>    }</a:t>
+            </a:r>
+            <a:br>
+              <a:rPr sz="2000" dirty="0"/>
+            </a:br>
+            <a:r>
+              <a:rPr sz="2000" dirty="0"/>
+              <a:t>}</a:t>
+            </a:r>
+          </a:p>
+        </p:txBody>
+      </p:sp>
+    </p:spTree>
+  </p:cSld>
+  <p:clrMapOvr>
+    <a:masterClrMapping/>
+  </p:clrMapOvr>
+</p:sld>
+</file>
+
+<file path=ppt/slides/slide7.xml><?xml version="1.0" encoding="utf-8"?>
+<p:sld xmlns:a="http://schemas.openxmlformats.org/drawingml/2006/main" xmlns:r="http://schemas.openxmlformats.org/officeDocument/2006/relationships" xmlns:p="http://schemas.openxmlformats.org/presentationml/2006/main">
+  <p:cSld>
+    <p:spTree>
+      <p:nvGrpSpPr>
+        <p:cNvPr id="1" name=""/>
+        <p:cNvGrpSpPr/>
+        <p:nvPr/>
+      </p:nvGrpSpPr>
+      <p:grpSpPr>
+        <a:xfrm>
+          <a:off x="0" y="0"/>
+          <a:ext cx="0" cy="0"/>
+          <a:chOff x="0" y="0"/>
+          <a:chExt cx="0" cy="0"/>
+        </a:xfrm>
+      </p:grpSpPr>
+      <p:sp>
+        <p:nvSpPr>
+          <p:cNvPr id="2" name="Title 1"/>
+          <p:cNvSpPr>
+            <a:spLocks noGrp="1"/>
+          </p:cNvSpPr>
+          <p:nvPr>
+            <p:ph type="title"/>
+          </p:nvPr>
+        </p:nvSpPr>
+        <p:spPr/>
+        <p:txBody>
+          <a:bodyPr/>
+          <a:lstStyle/>
+          <a:p>
+            <a:r>
+              <a:rPr dirty="0"/>
+              <a:t>Was </a:t>
+            </a:r>
+            <a:r>
+              <a:rPr dirty="0" err="1"/>
+              <a:t>ist</a:t>
+            </a:r>
+            <a:r>
+              <a:rPr dirty="0"/>
+              <a:t> </a:t>
+            </a:r>
+            <a:r>
+              <a:rPr dirty="0" err="1"/>
+              <a:t>hier</a:t>
+            </a:r>
+            <a:r>
+              <a:rPr dirty="0"/>
+              <a:t> </a:t>
+            </a:r>
+            <a:r>
+              <a:rPr dirty="0" err="1"/>
+              <a:t>schlecht</a:t>
+            </a:r>
+            <a:r>
+              <a:rPr dirty="0"/>
+              <a:t>?</a:t>
+            </a:r>
+          </a:p>
+        </p:txBody>
+      </p:sp>
+      <p:sp>
+        <p:nvSpPr>
+          <p:cNvPr id="3" name="Content Placeholder 2"/>
+          <p:cNvSpPr>
+            <a:spLocks noGrp="1"/>
+          </p:cNvSpPr>
+          <p:nvPr>
+            <p:ph idx="1"/>
+          </p:nvPr>
+        </p:nvSpPr>
+        <p:spPr/>
+        <p:txBody>
+          <a:bodyPr>
+            <a:normAutofit lnSpcReduction="10000"/>
+          </a:bodyPr>
+          <a:lstStyle/>
+          <a:p>
+            <a:pPr>
+              <a:defRPr sz="1000">
+                <a:latin typeface="Consolas"/>
+              </a:defRPr>
+            </a:pPr>
+            <a:r>
+              <a:rPr sz="1800" dirty="0"/>
+              <a:t>public class </a:t>
+            </a:r>
+            <a:r>
+              <a:rPr sz="1800" dirty="0" err="1"/>
+              <a:t>CustomerService</a:t>
+            </a:r>
+            <a:r>
+              <a:rPr sz="1800" dirty="0"/>
+              <a:t> {</a:t>
+            </a:r>
+            <a:br>
+              <a:rPr sz="1800" dirty="0"/>
+            </a:br>
+            <a:r>
+              <a:rPr sz="1800" dirty="0"/>
+              <a:t>    public </a:t>
+            </a:r>
+            <a:r>
+              <a:rPr sz="1800" dirty="0" err="1"/>
+              <a:t>CustomerData</a:t>
+            </a:r>
+            <a:r>
+              <a:rPr sz="1800" dirty="0"/>
+              <a:t> </a:t>
+            </a:r>
+            <a:r>
+              <a:rPr sz="1800" dirty="0" err="1"/>
+              <a:t>getCustomer</a:t>
+            </a:r>
+            <a:r>
+              <a:rPr sz="1800" dirty="0"/>
+              <a:t>(String </a:t>
+            </a:r>
+            <a:r>
+              <a:rPr sz="1800" dirty="0" err="1"/>
+              <a:t>customerId</a:t>
+            </a:r>
+            <a:r>
+              <a:rPr sz="1800" dirty="0"/>
+              <a:t>, String channel) {</a:t>
+            </a:r>
+            <a:br>
+              <a:rPr sz="1800" dirty="0"/>
+            </a:br>
+            <a:r>
+              <a:rPr sz="1800" dirty="0"/>
+              <a:t>        if ("</a:t>
+            </a:r>
+            <a:r>
+              <a:rPr sz="1800" dirty="0" err="1"/>
+              <a:t>WEB".equals</a:t>
+            </a:r>
+            <a:r>
+              <a:rPr sz="1800" dirty="0"/>
+              <a:t>(channel)) {</a:t>
+            </a:r>
+            <a:br>
+              <a:rPr sz="1800" dirty="0"/>
+            </a:br>
+            <a:r>
+              <a:rPr sz="1800" dirty="0"/>
+              <a:t>            </a:t>
+            </a:r>
+            <a:r>
+              <a:rPr sz="1800" dirty="0" err="1"/>
+              <a:t>WebAuthService</a:t>
+            </a:r>
+            <a:r>
+              <a:rPr sz="1800" dirty="0"/>
+              <a:t> </a:t>
+            </a:r>
+            <a:r>
+              <a:rPr sz="1800" dirty="0" err="1"/>
+              <a:t>webAuth</a:t>
+            </a:r>
+            <a:r>
+              <a:rPr sz="1800" dirty="0"/>
+              <a:t> = new </a:t>
+            </a:r>
+            <a:r>
+              <a:rPr sz="1800" dirty="0" err="1"/>
+              <a:t>WebAuthService</a:t>
+            </a:r>
+            <a:r>
+              <a:rPr sz="1800" dirty="0"/>
+              <a:t>();</a:t>
+            </a:r>
+            <a:br>
+              <a:rPr sz="1800" dirty="0"/>
+            </a:br>
+            <a:r>
+              <a:rPr sz="1800" dirty="0"/>
+              <a:t>            if (!</a:t>
+            </a:r>
+            <a:r>
+              <a:rPr sz="1800" dirty="0" err="1"/>
+              <a:t>webAuth.validateSession</a:t>
+            </a:r>
+            <a:r>
+              <a:rPr sz="1800" dirty="0"/>
+              <a:t>(</a:t>
+            </a:r>
+            <a:r>
+              <a:rPr sz="1800" dirty="0" err="1"/>
+              <a:t>getCurrentSession</a:t>
+            </a:r>
+            <a:r>
+              <a:rPr sz="1800" dirty="0"/>
+              <a:t>())) {</a:t>
+            </a:r>
+            <a:br>
+              <a:rPr sz="1800" dirty="0"/>
+            </a:br>
+            <a:r>
+              <a:rPr sz="1800" dirty="0"/>
+              <a:t>                throw new </a:t>
+            </a:r>
+            <a:r>
+              <a:rPr sz="1800" dirty="0" err="1"/>
+              <a:t>AuthenticationException</a:t>
+            </a:r>
+            <a:r>
+              <a:rPr sz="1800" dirty="0"/>
+              <a:t>();</a:t>
+            </a:r>
+            <a:br>
+              <a:rPr sz="1800" dirty="0"/>
+            </a:br>
+            <a:r>
+              <a:rPr sz="1800" dirty="0"/>
+              <a:t>            }</a:t>
+            </a:r>
+            <a:br>
+              <a:rPr sz="1800" dirty="0"/>
+            </a:br>
+            <a:r>
+              <a:rPr sz="1800" dirty="0"/>
+              <a:t>            </a:t>
+            </a:r>
+            <a:r>
+              <a:rPr sz="1800" dirty="0" err="1"/>
+              <a:t>WebCustomerAPI</a:t>
+            </a:r>
+            <a:r>
+              <a:rPr sz="1800" dirty="0"/>
+              <a:t> </a:t>
+            </a:r>
+            <a:r>
+              <a:rPr sz="1800" dirty="0" err="1"/>
+              <a:t>webAPI</a:t>
+            </a:r>
+            <a:r>
+              <a:rPr sz="1800" dirty="0"/>
+              <a:t> = new </a:t>
+            </a:r>
+            <a:r>
+              <a:rPr sz="1800" dirty="0" err="1"/>
+              <a:t>WebCustomerAPI</a:t>
+            </a:r>
+            <a:r>
+              <a:rPr sz="1800" dirty="0"/>
+              <a:t>();</a:t>
+            </a:r>
+            <a:br>
+              <a:rPr sz="1800" dirty="0"/>
+            </a:br>
+            <a:r>
+              <a:rPr sz="1800" dirty="0"/>
+              <a:t>            return </a:t>
+            </a:r>
+            <a:r>
+              <a:rPr sz="1800" dirty="0" err="1"/>
+              <a:t>webAPI.getCustomerData</a:t>
+            </a:r>
+            <a:r>
+              <a:rPr sz="1800" dirty="0"/>
+              <a:t>(</a:t>
+            </a:r>
+            <a:r>
+              <a:rPr sz="1800" dirty="0" err="1"/>
+              <a:t>customerId</a:t>
+            </a:r>
+            <a:r>
+              <a:rPr sz="1800" dirty="0"/>
+              <a:t>);</a:t>
+            </a:r>
+            <a:br>
+              <a:rPr sz="1800" dirty="0"/>
+            </a:br>
+            <a:r>
+              <a:rPr sz="1800" dirty="0"/>
+              <a:t>        } else if ("</a:t>
+            </a:r>
+            <a:r>
+              <a:rPr sz="1800" dirty="0" err="1"/>
+              <a:t>MOBILE".equals</a:t>
+            </a:r>
+            <a:r>
+              <a:rPr sz="1800" dirty="0"/>
+              <a:t>(channel)) {</a:t>
+            </a:r>
+            <a:br>
+              <a:rPr sz="1800" dirty="0"/>
+            </a:br>
+            <a:r>
+              <a:rPr sz="1800" dirty="0"/>
+              <a:t>            </a:t>
+            </a:r>
+            <a:r>
+              <a:rPr sz="1800" dirty="0" err="1"/>
+              <a:t>MobileOAuthService</a:t>
+            </a:r>
+            <a:r>
+              <a:rPr sz="1800" dirty="0"/>
+              <a:t> </a:t>
+            </a:r>
+            <a:r>
+              <a:rPr sz="1800" dirty="0" err="1"/>
+              <a:t>mobileAuth</a:t>
+            </a:r>
+            <a:r>
+              <a:rPr sz="1800" dirty="0"/>
+              <a:t> = new </a:t>
+            </a:r>
+            <a:r>
+              <a:rPr sz="1800" dirty="0" err="1"/>
+              <a:t>MobileOAuthService</a:t>
+            </a:r>
+            <a:r>
+              <a:rPr sz="1800" dirty="0"/>
+              <a:t>();</a:t>
+            </a:r>
+            <a:br>
+              <a:rPr sz="1800" dirty="0"/>
+            </a:br>
+            <a:r>
+              <a:rPr sz="1800" dirty="0"/>
+              <a:t>            if (!</a:t>
+            </a:r>
+            <a:r>
+              <a:rPr sz="1800" dirty="0" err="1"/>
+              <a:t>mobileAuth.validateToken</a:t>
+            </a:r>
+            <a:r>
+              <a:rPr sz="1800" dirty="0"/>
+              <a:t>(</a:t>
+            </a:r>
+            <a:r>
+              <a:rPr sz="1800" dirty="0" err="1"/>
+              <a:t>getCurrentToken</a:t>
+            </a:r>
+            <a:r>
+              <a:rPr sz="1800" dirty="0"/>
+              <a:t>())) {</a:t>
+            </a:r>
+            <a:br>
+              <a:rPr sz="1800" dirty="0"/>
+            </a:br>
+            <a:r>
+              <a:rPr sz="1800" dirty="0"/>
+              <a:t>                throw new </a:t>
+            </a:r>
+            <a:r>
+              <a:rPr sz="1800" dirty="0" err="1"/>
+              <a:t>AuthenticationException</a:t>
+            </a:r>
+            <a:r>
+              <a:rPr sz="1800" dirty="0"/>
+              <a:t>();</a:t>
+            </a:r>
+            <a:br>
+              <a:rPr sz="1800" dirty="0"/>
+            </a:br>
+            <a:r>
+              <a:rPr sz="1800" dirty="0"/>
+              <a:t>            }</a:t>
+            </a:r>
+            <a:br>
+              <a:rPr sz="1800" dirty="0"/>
+            </a:br>
+            <a:r>
+              <a:rPr sz="1800" dirty="0"/>
+              <a:t>            </a:t>
+            </a:r>
+            <a:r>
+              <a:rPr sz="1800" dirty="0" err="1"/>
+              <a:t>MobileCustomerAPI</a:t>
+            </a:r>
+            <a:r>
+              <a:rPr sz="1800" dirty="0"/>
+              <a:t> </a:t>
+            </a:r>
+            <a:r>
+              <a:rPr sz="1800" dirty="0" err="1"/>
+              <a:t>mobileAPI</a:t>
+            </a:r>
+            <a:r>
+              <a:rPr sz="1800" dirty="0"/>
+              <a:t> = new </a:t>
+            </a:r>
+            <a:r>
+              <a:rPr sz="1800" dirty="0" err="1"/>
+              <a:t>MobileCustomerAPI</a:t>
+            </a:r>
+            <a:r>
+              <a:rPr sz="1800" dirty="0"/>
+              <a:t>();</a:t>
+            </a:r>
+            <a:br>
+              <a:rPr sz="1800" dirty="0"/>
+            </a:br>
+            <a:r>
+              <a:rPr sz="1800" dirty="0"/>
+              <a:t>            return </a:t>
+            </a:r>
+            <a:r>
+              <a:rPr sz="1800" dirty="0" err="1"/>
+              <a:t>transformMobileResponse</a:t>
+            </a:r>
+            <a:r>
+              <a:rPr sz="1800" dirty="0"/>
+              <a:t>(</a:t>
+            </a:r>
+            <a:r>
+              <a:rPr sz="1800" dirty="0" err="1"/>
+              <a:t>mobileAPI.getCustomer</a:t>
+            </a:r>
+            <a:r>
+              <a:rPr sz="1800" dirty="0"/>
+              <a:t>(</a:t>
+            </a:r>
+            <a:r>
+              <a:rPr sz="1800" dirty="0" err="1"/>
+              <a:t>customerId</a:t>
+            </a:r>
+            <a:r>
+              <a:rPr sz="1800" dirty="0"/>
+              <a:t>));</a:t>
+            </a:r>
+            <a:br>
+              <a:rPr sz="1800" dirty="0"/>
+            </a:br>
+            <a:r>
+              <a:rPr sz="1800" dirty="0"/>
+              <a:t>        }</a:t>
+            </a:r>
+            <a:br>
+              <a:rPr sz="1800" dirty="0"/>
+            </a:br>
+            <a:r>
+              <a:rPr sz="1800" dirty="0"/>
+              <a:t>        throw new </a:t>
+            </a:r>
+            <a:r>
+              <a:rPr sz="1800" dirty="0" err="1"/>
+              <a:t>IllegalArgumentException</a:t>
+            </a:r>
+            <a:r>
+              <a:rPr sz="1800" dirty="0"/>
+              <a:t>("Unsupported channel: " + channel);</a:t>
+            </a:r>
+            <a:br>
+              <a:rPr sz="1800" dirty="0"/>
+            </a:br>
+            <a:r>
+              <a:rPr sz="1800" dirty="0"/>
+              <a:t>    }</a:t>
+            </a:r>
+            <a:br>
+              <a:rPr sz="1800" dirty="0"/>
+            </a:br>
+            <a:r>
+              <a:rPr sz="1800" dirty="0"/>
+              <a:t>}</a:t>
+            </a:r>
+          </a:p>
+        </p:txBody>
+      </p:sp>
+    </p:spTree>
+  </p:cSld>
+  <p:clrMapOvr>
+    <a:masterClrMapping/>
+  </p:clrMapOvr>
+</p:sld>
+</file>
+
+<file path=ppt/slides/slide8.xml><?xml version="1.0" encoding="utf-8"?>
+<p:sld xmlns:a="http://schemas.openxmlformats.org/drawingml/2006/main" xmlns:r="http://schemas.openxmlformats.org/officeDocument/2006/relationships" xmlns:p="http://schemas.openxmlformats.org/presentationml/2006/main">
+  <p:cSld>
+    <p:spTree>
+      <p:nvGrpSpPr>
+        <p:cNvPr id="1" name=""/>
+        <p:cNvGrpSpPr/>
+        <p:nvPr/>
+      </p:nvGrpSpPr>
+      <p:grpSpPr>
+        <a:xfrm>
+          <a:off x="0" y="0"/>
+          <a:ext cx="0" cy="0"/>
+          <a:chOff x="0" y="0"/>
+          <a:chExt cx="0" cy="0"/>
+        </a:xfrm>
+      </p:grpSpPr>
       <p:sp>
         <p:nvSpPr>
           <p:cNvPr id="2" name="Title 1"/>
@@ -5187,34 +7165,176 @@
           <a:bodyPr/>
           <a:lstStyle/>
           <a:p>
-            <a:pPr/>
-            <a:r>
-              <a:t>Long Method: createCustomer-Methode hat zu viele Zeilen</a:t>
-            </a:r>
-          </a:p>
-          <a:p>
-            <a:pPr/>
-            <a:r>
-              <a:t>Switch Statements: Typ-basierte Verzweigung deutet auf fehlendes Polymorphismus hin</a:t>
-            </a:r>
-          </a:p>
-          <a:p>
-            <a:pPr/>
-            <a:r>
-              <a:t>Feature Envy: Methode manipuliert mehr Daten als sie besitzt</a:t>
-            </a:r>
-          </a:p>
-          <a:p>
-            <a:pPr/>
-            <a:r>
-              <a:t>Duplicate Code: Wiederholte Zuweisungen in jedem Case</a:t>
-            </a:r>
-          </a:p>
-          <a:p>
-            <a:pPr/>
-            <a:r>
-              <a:t>Open/Closed Principle Verletzung: Neue Kunden-Typen erfordern Änderung bestehender Methode</a:t>
-            </a:r>
+            <a:pPr>
+              <a:lnSpc>
+                <a:spcPct val="150000"/>
+              </a:lnSpc>
+            </a:pPr>
+            <a:r>
+              <a:rPr b="1" dirty="0"/>
+              <a:t>God Object</a:t>
+            </a:r>
+            <a:r>
+              <a:rPr dirty="0"/>
+              <a:t>: Eine Klasse </a:t>
+            </a:r>
+            <a:r>
+              <a:rPr dirty="0" err="1"/>
+              <a:t>kennt</a:t>
+            </a:r>
+            <a:r>
+              <a:rPr dirty="0"/>
+              <a:t> alle </a:t>
+            </a:r>
+            <a:r>
+              <a:rPr dirty="0" err="1"/>
+              <a:t>Implementierungen</a:t>
+            </a:r>
+            <a:endParaRPr dirty="0"/>
+          </a:p>
+          <a:p>
+            <a:pPr>
+              <a:lnSpc>
+                <a:spcPct val="150000"/>
+              </a:lnSpc>
+            </a:pPr>
+            <a:r>
+              <a:rPr b="1" dirty="0"/>
+              <a:t>Switch Statement</a:t>
+            </a:r>
+            <a:r>
+              <a:rPr dirty="0"/>
+              <a:t>: Kanal-</a:t>
+            </a:r>
+            <a:r>
+              <a:rPr dirty="0" err="1"/>
+              <a:t>basierte</a:t>
+            </a:r>
+            <a:r>
+              <a:rPr dirty="0"/>
+              <a:t> </a:t>
+            </a:r>
+            <a:r>
+              <a:rPr dirty="0" err="1"/>
+              <a:t>Verzweigung</a:t>
+            </a:r>
+            <a:endParaRPr dirty="0"/>
+          </a:p>
+          <a:p>
+            <a:pPr>
+              <a:lnSpc>
+                <a:spcPct val="150000"/>
+              </a:lnSpc>
+            </a:pPr>
+            <a:r>
+              <a:rPr b="1" dirty="0"/>
+              <a:t>Tight Coupling</a:t>
+            </a:r>
+            <a:r>
+              <a:rPr dirty="0"/>
+              <a:t>: </a:t>
+            </a:r>
+            <a:r>
+              <a:rPr dirty="0" err="1"/>
+              <a:t>Direkte</a:t>
+            </a:r>
+            <a:r>
+              <a:rPr dirty="0"/>
+              <a:t> </a:t>
+            </a:r>
+            <a:r>
+              <a:rPr dirty="0" err="1"/>
+              <a:t>Abhängigkeiten</a:t>
+            </a:r>
+            <a:r>
+              <a:rPr dirty="0"/>
+              <a:t> </a:t>
+            </a:r>
+            <a:r>
+              <a:rPr dirty="0" err="1"/>
+              <a:t>zu</a:t>
+            </a:r>
+            <a:r>
+              <a:rPr dirty="0"/>
+              <a:t> </a:t>
+            </a:r>
+            <a:r>
+              <a:rPr dirty="0" err="1"/>
+              <a:t>konkreten</a:t>
+            </a:r>
+            <a:r>
+              <a:rPr dirty="0"/>
+              <a:t> </a:t>
+            </a:r>
+            <a:r>
+              <a:rPr dirty="0" err="1"/>
+              <a:t>Implementierungen</a:t>
+            </a:r>
+            <a:endParaRPr dirty="0"/>
+          </a:p>
+          <a:p>
+            <a:pPr>
+              <a:lnSpc>
+                <a:spcPct val="150000"/>
+              </a:lnSpc>
+            </a:pPr>
+            <a:r>
+              <a:rPr b="1" dirty="0"/>
+              <a:t>Interface Segregation </a:t>
+            </a:r>
+            <a:r>
+              <a:rPr b="1" dirty="0" err="1"/>
+              <a:t>Verletzung</a:t>
+            </a:r>
+            <a:r>
+              <a:rPr dirty="0"/>
+              <a:t>: Ein Service für alle </a:t>
+            </a:r>
+            <a:r>
+              <a:rPr dirty="0" err="1"/>
+              <a:t>Kanäle</a:t>
+            </a:r>
+            <a:endParaRPr dirty="0"/>
+          </a:p>
+          <a:p>
+            <a:pPr>
+              <a:lnSpc>
+                <a:spcPct val="150000"/>
+              </a:lnSpc>
+            </a:pPr>
+            <a:r>
+              <a:rPr dirty="0"/>
+              <a:t>Open/Closed Principle </a:t>
+            </a:r>
+            <a:r>
+              <a:rPr dirty="0" err="1"/>
+              <a:t>Verletzung</a:t>
+            </a:r>
+            <a:r>
+              <a:rPr dirty="0"/>
+              <a:t>: Neue </a:t>
+            </a:r>
+            <a:r>
+              <a:rPr dirty="0" err="1"/>
+              <a:t>Kanäle</a:t>
+            </a:r>
+            <a:r>
+              <a:rPr dirty="0"/>
+              <a:t> </a:t>
+            </a:r>
+            <a:r>
+              <a:rPr dirty="0" err="1"/>
+              <a:t>erfordern</a:t>
+            </a:r>
+            <a:r>
+              <a:rPr dirty="0"/>
+              <a:t> </a:t>
+            </a:r>
+            <a:r>
+              <a:rPr dirty="0" err="1"/>
+              <a:t>Änderungen</a:t>
+            </a:r>
+            <a:endParaRPr dirty="0"/>
           </a:p>
         </p:txBody>
       </p:sp>
@@ -5223,11 +7343,286 @@
   <p:clrMapOvr>
     <a:masterClrMapping/>
   </p:clrMapOvr>
+  <p:timing>
+    <p:tnLst>
+      <p:par>
+        <p:cTn id="1" dur="indefinite" restart="never" nodeType="tmRoot">
+          <p:childTnLst>
+            <p:seq concurrent="1" nextAc="seek">
+              <p:cTn id="2" dur="indefinite" nodeType="mainSeq">
+                <p:childTnLst>
+                  <p:par>
+                    <p:cTn id="3" fill="hold">
+                      <p:stCondLst>
+                        <p:cond delay="indefinite"/>
+                      </p:stCondLst>
+                      <p:childTnLst>
+                        <p:par>
+                          <p:cTn id="4" fill="hold">
+                            <p:stCondLst>
+                              <p:cond delay="0"/>
+                            </p:stCondLst>
+                            <p:childTnLst>
+                              <p:par>
+                                <p:cTn id="5" presetID="1" presetClass="entr" presetSubtype="0" fill="hold" nodeType="clickEffect">
+                                  <p:stCondLst>
+                                    <p:cond delay="0"/>
+                                  </p:stCondLst>
+                                  <p:childTnLst>
+                                    <p:set>
+                                      <p:cBhvr>
+                                        <p:cTn id="6" dur="1" fill="hold">
+                                          <p:stCondLst>
+                                            <p:cond delay="0"/>
+                                          </p:stCondLst>
+                                        </p:cTn>
+                                        <p:tgtEl>
+                                          <p:spTgt spid="3">
+                                            <p:txEl>
+                                              <p:pRg st="0" end="0"/>
+                                            </p:txEl>
+                                          </p:spTgt>
+                                        </p:tgtEl>
+                                        <p:attrNameLst>
+                                          <p:attrName>style.visibility</p:attrName>
+                                        </p:attrNameLst>
+                                      </p:cBhvr>
+                                      <p:to>
+                                        <p:strVal val="visible"/>
+                                      </p:to>
+                                    </p:set>
+                                  </p:childTnLst>
+                                </p:cTn>
+                              </p:par>
+                            </p:childTnLst>
+                          </p:cTn>
+                        </p:par>
+                      </p:childTnLst>
+                    </p:cTn>
+                  </p:par>
+                  <p:par>
+                    <p:cTn id="7" fill="hold">
+                      <p:stCondLst>
+                        <p:cond delay="indefinite"/>
+                      </p:stCondLst>
+                      <p:childTnLst>
+                        <p:par>
+                          <p:cTn id="8" fill="hold">
+                            <p:stCondLst>
+                              <p:cond delay="0"/>
+                            </p:stCondLst>
+                            <p:childTnLst>
+                              <p:par>
+                                <p:cTn id="9" presetID="1" presetClass="entr" presetSubtype="0" fill="hold" nodeType="clickEffect">
+                                  <p:stCondLst>
+                                    <p:cond delay="0"/>
+                                  </p:stCondLst>
+                                  <p:childTnLst>
+                                    <p:set>
+                                      <p:cBhvr>
+                                        <p:cTn id="10" dur="1" fill="hold">
+                                          <p:stCondLst>
+                                            <p:cond delay="0"/>
+                                          </p:stCondLst>
+                                        </p:cTn>
+                                        <p:tgtEl>
+                                          <p:spTgt spid="3">
+                                            <p:txEl>
+                                              <p:pRg st="1" end="1"/>
+                                            </p:txEl>
+                                          </p:spTgt>
+                                        </p:tgtEl>
+                                        <p:attrNameLst>
+                                          <p:attrName>style.visibility</p:attrName>
+                                        </p:attrNameLst>
+                                      </p:cBhvr>
+                                      <p:to>
+                                        <p:strVal val="visible"/>
+                                      </p:to>
+                                    </p:set>
+                                  </p:childTnLst>
+                                </p:cTn>
+                              </p:par>
+                            </p:childTnLst>
+                          </p:cTn>
+                        </p:par>
+                      </p:childTnLst>
+                    </p:cTn>
+                  </p:par>
+                  <p:par>
+                    <p:cTn id="11" fill="hold">
+                      <p:stCondLst>
+                        <p:cond delay="indefinite"/>
+                      </p:stCondLst>
+                      <p:childTnLst>
+                        <p:par>
+                          <p:cTn id="12" fill="hold">
+                            <p:stCondLst>
+                              <p:cond delay="0"/>
+                            </p:stCondLst>
+                            <p:childTnLst>
+                              <p:par>
+                                <p:cTn id="13" presetID="1" presetClass="entr" presetSubtype="0" fill="hold" nodeType="clickEffect">
+                                  <p:stCondLst>
+                                    <p:cond delay="0"/>
+                                  </p:stCondLst>
+                                  <p:childTnLst>
+                                    <p:set>
+                                      <p:cBhvr>
+                                        <p:cTn id="14" dur="1" fill="hold">
+                                          <p:stCondLst>
+                                            <p:cond delay="0"/>
+                                          </p:stCondLst>
+                                        </p:cTn>
+                                        <p:tgtEl>
+                                          <p:spTgt spid="3">
+                                            <p:txEl>
+                                              <p:pRg st="2" end="2"/>
+                                            </p:txEl>
+                                          </p:spTgt>
+                                        </p:tgtEl>
+                                        <p:attrNameLst>
+                                          <p:attrName>style.visibility</p:attrName>
+                                        </p:attrNameLst>
+                                      </p:cBhvr>
+                                      <p:to>
+                                        <p:strVal val="visible"/>
+                                      </p:to>
+                                    </p:set>
+                                  </p:childTnLst>
+                                </p:cTn>
+                              </p:par>
+                            </p:childTnLst>
+                          </p:cTn>
+                        </p:par>
+                      </p:childTnLst>
+                    </p:cTn>
+                  </p:par>
+                  <p:par>
+                    <p:cTn id="15" fill="hold">
+                      <p:stCondLst>
+                        <p:cond delay="indefinite"/>
+                      </p:stCondLst>
+                      <p:childTnLst>
+                        <p:par>
+                          <p:cTn id="16" fill="hold">
+                            <p:stCondLst>
+                              <p:cond delay="0"/>
+                            </p:stCondLst>
+                            <p:childTnLst>
+                              <p:par>
+                                <p:cTn id="17" presetID="1" presetClass="entr" presetSubtype="0" fill="hold" nodeType="clickEffect">
+                                  <p:stCondLst>
+                                    <p:cond delay="0"/>
+                                  </p:stCondLst>
+                                  <p:childTnLst>
+                                    <p:set>
+                                      <p:cBhvr>
+                                        <p:cTn id="18" dur="1" fill="hold">
+                                          <p:stCondLst>
+                                            <p:cond delay="0"/>
+                                          </p:stCondLst>
+                                        </p:cTn>
+                                        <p:tgtEl>
+                                          <p:spTgt spid="3">
+                                            <p:txEl>
+                                              <p:pRg st="3" end="3"/>
+                                            </p:txEl>
+                                          </p:spTgt>
+                                        </p:tgtEl>
+                                        <p:attrNameLst>
+                                          <p:attrName>style.visibility</p:attrName>
+                                        </p:attrNameLst>
+                                      </p:cBhvr>
+                                      <p:to>
+                                        <p:strVal val="visible"/>
+                                      </p:to>
+                                    </p:set>
+                                  </p:childTnLst>
+                                </p:cTn>
+                              </p:par>
+                            </p:childTnLst>
+                          </p:cTn>
+                        </p:par>
+                      </p:childTnLst>
+                    </p:cTn>
+                  </p:par>
+                  <p:par>
+                    <p:cTn id="19" fill="hold">
+                      <p:stCondLst>
+                        <p:cond delay="indefinite"/>
+                      </p:stCondLst>
+                      <p:childTnLst>
+                        <p:par>
+                          <p:cTn id="20" fill="hold">
+                            <p:stCondLst>
+                              <p:cond delay="0"/>
+                            </p:stCondLst>
+                            <p:childTnLst>
+                              <p:par>
+                                <p:cTn id="21" presetID="1" presetClass="entr" presetSubtype="0" fill="hold" nodeType="clickEffect">
+                                  <p:stCondLst>
+                                    <p:cond delay="0"/>
+                                  </p:stCondLst>
+                                  <p:childTnLst>
+                                    <p:set>
+                                      <p:cBhvr>
+                                        <p:cTn id="22" dur="1" fill="hold">
+                                          <p:stCondLst>
+                                            <p:cond delay="0"/>
+                                          </p:stCondLst>
+                                        </p:cTn>
+                                        <p:tgtEl>
+                                          <p:spTgt spid="3">
+                                            <p:txEl>
+                                              <p:pRg st="4" end="4"/>
+                                            </p:txEl>
+                                          </p:spTgt>
+                                        </p:tgtEl>
+                                        <p:attrNameLst>
+                                          <p:attrName>style.visibility</p:attrName>
+                                        </p:attrNameLst>
+                                      </p:cBhvr>
+                                      <p:to>
+                                        <p:strVal val="visible"/>
+                                      </p:to>
+                                    </p:set>
+                                  </p:childTnLst>
+                                </p:cTn>
+                              </p:par>
+                            </p:childTnLst>
+                          </p:cTn>
+                        </p:par>
+                      </p:childTnLst>
+                    </p:cTn>
+                  </p:par>
+                </p:childTnLst>
+              </p:cTn>
+              <p:prevCondLst>
+                <p:cond evt="onPrev" delay="0">
+                  <p:tgtEl>
+                    <p:sldTgt/>
+                  </p:tgtEl>
+                </p:cond>
+              </p:prevCondLst>
+              <p:nextCondLst>
+                <p:cond evt="onNext" delay="0">
+                  <p:tgtEl>
+                    <p:sldTgt/>
+                  </p:tgtEl>
+                </p:cond>
+              </p:nextCondLst>
+            </p:seq>
+          </p:childTnLst>
+        </p:cTn>
+      </p:par>
+    </p:tnLst>
+  </p:timing>
 </p:sld>
 </file>
 
-<file path=ppt/slides/slide4.xml><?xml version="1.0" encoding="utf-8"?>
-<p:sld xmlns:a="http://schemas.openxmlformats.org/drawingml/2006/main" xmlns:p="http://schemas.openxmlformats.org/presentationml/2006/main" xmlns:r="http://schemas.openxmlformats.org/officeDocument/2006/relationships">
+<file path=ppt/slides/slide9.xml><?xml version="1.0" encoding="utf-8"?>
+<p:sld xmlns:a="http://schemas.openxmlformats.org/drawingml/2006/main" xmlns:r="http://schemas.openxmlformats.org/officeDocument/2006/relationships" xmlns:p="http://schemas.openxmlformats.org/presentationml/2006/main">
   <p:cSld>
     <p:spTree>
       <p:nvGrpSpPr>
@@ -5235,7 +7630,14 @@
         <p:cNvGrpSpPr/>
         <p:nvPr/>
       </p:nvGrpSpPr>
-      <p:grpSpPr/>
+      <p:grpSpPr>
+        <a:xfrm>
+          <a:off x="0" y="0"/>
+          <a:ext cx="0" cy="0"/>
+          <a:chOff x="0" y="0"/>
+          <a:chExt cx="0" cy="0"/>
+        </a:xfrm>
+      </p:grpSpPr>
       <p:sp>
         <p:nvSpPr>
           <p:cNvPr id="2" name="Title 1"/>
@@ -5252,7 +7654,7 @@
           <a:lstStyle/>
           <a:p>
             <a:r>
-              <a:t>Lösung: Factory Method Pattern</a:t>
+              <a:t>Lösung: Abstract Factory Pattern</a:t>
             </a:r>
           </a:p>
         </p:txBody>
@@ -5272,40 +7674,203 @@
           <a:bodyPr/>
           <a:lstStyle/>
           <a:p>
-            <a:pPr/>
-            <a:r>
-              <a:t>Definiert eine Schnittstelle zum Erstellen von Objekten</a:t>
-            </a:r>
-          </a:p>
-          <a:p>
-            <a:pPr/>
-            <a:r>
-              <a:t>Unterklassen entscheiden, welche Klasse instantiiert wird</a:t>
-            </a:r>
-          </a:p>
-          <a:p>
-            <a:pPr/>
-            <a:r>
-              <a:t>Polymorphismus statt Konditionals</a:t>
-            </a:r>
-          </a:p>
-          <a:p>
-            <a:pPr/>
-            <a:r>
-              <a:t>Erweiterbarkeit ohne Modifikation bestehenden Codes</a:t>
-            </a:r>
-          </a:p>
-          <a:p>
-            <a:pPr/>
-            <a:r>
-              <a:t>Template Method verwendet Factory Method</a:t>
-            </a:r>
-          </a:p>
-          <a:p>
-            <a:pPr/>
-            <a:r>
-              <a:t>Gemeinsame Geschäftslogik in Creator-Klasse</a:t>
-            </a:r>
+            <a:pPr>
+              <a:lnSpc>
+                <a:spcPct val="150000"/>
+              </a:lnSpc>
+            </a:pPr>
+            <a:r>
+              <a:rPr dirty="0" err="1"/>
+              <a:t>Schnittstelle</a:t>
+            </a:r>
+            <a:r>
+              <a:rPr dirty="0"/>
+              <a:t> für </a:t>
+            </a:r>
+            <a:r>
+              <a:rPr dirty="0" err="1"/>
+              <a:t>Familien</a:t>
+            </a:r>
+            <a:r>
+              <a:rPr dirty="0"/>
+              <a:t> </a:t>
+            </a:r>
+            <a:r>
+              <a:rPr dirty="0" err="1"/>
+              <a:t>verwandter</a:t>
+            </a:r>
+            <a:r>
+              <a:rPr dirty="0"/>
+              <a:t> </a:t>
+            </a:r>
+            <a:r>
+              <a:rPr dirty="0" err="1"/>
+              <a:t>Objekte</a:t>
+            </a:r>
+            <a:endParaRPr dirty="0"/>
+          </a:p>
+          <a:p>
+            <a:pPr>
+              <a:lnSpc>
+                <a:spcPct val="150000"/>
+              </a:lnSpc>
+            </a:pPr>
+            <a:r>
+              <a:rPr dirty="0"/>
+              <a:t>Keine </a:t>
+            </a:r>
+            <a:r>
+              <a:rPr dirty="0" err="1"/>
+              <a:t>Spezifikation</a:t>
+            </a:r>
+            <a:r>
+              <a:rPr dirty="0"/>
+              <a:t> </a:t>
+            </a:r>
+            <a:r>
+              <a:rPr dirty="0" err="1"/>
+              <a:t>konkreter</a:t>
+            </a:r>
+            <a:r>
+              <a:rPr dirty="0"/>
+              <a:t> Klassen</a:t>
+            </a:r>
+          </a:p>
+          <a:p>
+            <a:pPr>
+              <a:lnSpc>
+                <a:spcPct val="150000"/>
+              </a:lnSpc>
+            </a:pPr>
+            <a:r>
+              <a:rPr dirty="0" err="1"/>
+              <a:t>Konsistente</a:t>
+            </a:r>
+            <a:r>
+              <a:rPr dirty="0"/>
+              <a:t> Service-APIs </a:t>
+            </a:r>
+            <a:r>
+              <a:rPr dirty="0" err="1"/>
+              <a:t>über</a:t>
+            </a:r>
+            <a:r>
+              <a:rPr dirty="0"/>
+              <a:t> alle </a:t>
+            </a:r>
+            <a:r>
+              <a:rPr dirty="0" err="1"/>
+              <a:t>Kanäle</a:t>
+            </a:r>
+            <a:endParaRPr dirty="0"/>
+          </a:p>
+          <a:p>
+            <a:pPr>
+              <a:lnSpc>
+                <a:spcPct val="150000"/>
+              </a:lnSpc>
+            </a:pPr>
+            <a:r>
+              <a:rPr dirty="0" err="1"/>
+              <a:t>Einfache</a:t>
+            </a:r>
+            <a:r>
+              <a:rPr dirty="0"/>
+              <a:t> </a:t>
+            </a:r>
+            <a:r>
+              <a:rPr dirty="0" err="1"/>
+              <a:t>Erweiterung</a:t>
+            </a:r>
+            <a:r>
+              <a:rPr dirty="0"/>
+              <a:t> um </a:t>
+            </a:r>
+            <a:r>
+              <a:rPr dirty="0" err="1"/>
+              <a:t>neue</a:t>
+            </a:r>
+            <a:r>
+              <a:rPr dirty="0"/>
+              <a:t> </a:t>
+            </a:r>
+            <a:r>
+              <a:rPr dirty="0" err="1"/>
+              <a:t>Kanäle</a:t>
+            </a:r>
+            <a:endParaRPr dirty="0"/>
+          </a:p>
+          <a:p>
+            <a:pPr>
+              <a:lnSpc>
+                <a:spcPct val="150000"/>
+              </a:lnSpc>
+            </a:pPr>
+            <a:r>
+              <a:rPr dirty="0"/>
+              <a:t>Service-</a:t>
+            </a:r>
+            <a:r>
+              <a:rPr dirty="0" err="1"/>
+              <a:t>Familie</a:t>
+            </a:r>
+            <a:r>
+              <a:rPr dirty="0"/>
+              <a:t> </a:t>
+            </a:r>
+            <a:r>
+              <a:rPr dirty="0" err="1"/>
+              <a:t>wird</a:t>
+            </a:r>
+            <a:r>
+              <a:rPr dirty="0"/>
+              <a:t> </a:t>
+            </a:r>
+            <a:r>
+              <a:rPr dirty="0" err="1"/>
+              <a:t>zusammen</a:t>
+            </a:r>
+            <a:r>
+              <a:rPr dirty="0"/>
+              <a:t> </a:t>
+            </a:r>
+            <a:r>
+              <a:rPr dirty="0" err="1"/>
+              <a:t>erstellt</a:t>
+            </a:r>
+            <a:endParaRPr dirty="0"/>
+          </a:p>
+          <a:p>
+            <a:pPr>
+              <a:lnSpc>
+                <a:spcPct val="150000"/>
+              </a:lnSpc>
+            </a:pPr>
+            <a:r>
+              <a:rPr dirty="0"/>
+              <a:t>Klare </a:t>
+            </a:r>
+            <a:r>
+              <a:rPr dirty="0" err="1"/>
+              <a:t>Trennung</a:t>
+            </a:r>
+            <a:r>
+              <a:rPr dirty="0"/>
+              <a:t> </a:t>
+            </a:r>
+            <a:r>
+              <a:rPr dirty="0" err="1"/>
+              <a:t>zwischen</a:t>
+            </a:r>
+            <a:r>
+              <a:rPr dirty="0"/>
+              <a:t> Kanal-Logik und </a:t>
+            </a:r>
+            <a:r>
+              <a:rPr dirty="0" err="1"/>
+              <a:t>Geschäftslogik</a:t>
+            </a:r>
+            <a:endParaRPr dirty="0"/>
           </a:p>
         </p:txBody>
       </p:sp>
@@ -5314,546 +7879,330 @@
   <p:clrMapOvr>
     <a:masterClrMapping/>
   </p:clrMapOvr>
-</p:sld>
-</file>
-
-<file path=ppt/slides/slide5.xml><?xml version="1.0" encoding="utf-8"?>
-<p:sld xmlns:a="http://schemas.openxmlformats.org/drawingml/2006/main" xmlns:p="http://schemas.openxmlformats.org/presentationml/2006/main" xmlns:r="http://schemas.openxmlformats.org/officeDocument/2006/relationships">
-  <p:cSld>
-    <p:spTree>
-      <p:nvGrpSpPr>
-        <p:cNvPr id="1" name=""/>
-        <p:cNvGrpSpPr/>
-        <p:nvPr/>
-      </p:nvGrpSpPr>
-      <p:grpSpPr/>
-      <p:sp>
-        <p:nvSpPr>
-          <p:cNvPr id="2" name="Title 1"/>
-          <p:cNvSpPr>
-            <a:spLocks noGrp="1"/>
-          </p:cNvSpPr>
-          <p:nvPr>
-            <p:ph type="title"/>
-          </p:nvPr>
-        </p:nvSpPr>
-        <p:spPr/>
-        <p:txBody>
-          <a:bodyPr/>
-          <a:lstStyle/>
-          <a:p>
-            <a:r>
-              <a:t>Implementierung - Factory Method Creator</a:t>
-            </a:r>
-          </a:p>
-        </p:txBody>
-      </p:sp>
-      <p:sp>
-        <p:nvSpPr>
-          <p:cNvPr id="3" name="Content Placeholder 2"/>
-          <p:cNvSpPr>
-            <a:spLocks noGrp="1"/>
-          </p:cNvSpPr>
-          <p:nvPr>
-            <p:ph idx="1"/>
-          </p:nvPr>
-        </p:nvSpPr>
-        <p:spPr/>
-        <p:txBody>
-          <a:bodyPr/>
-          <a:lstStyle/>
-          <a:p>
-            <a:pPr>
-              <a:defRPr sz="1100">
-                <a:latin typeface="Consolas"/>
-              </a:defRPr>
-            </a:pPr>
-            <a:r>
-              <a:t>public abstract class CustomerFactory {</a:t>
-            </a:r>
-            <a:br/>
-            <a:r>
-              <a:t>    // Factory Method - zu implementieren von Subklassen</a:t>
-            </a:r>
-            <a:br/>
-            <a:r>
-              <a:t>    protected abstract Customer createCustomer(String name, String contractId);</a:t>
-            </a:r>
-            <a:br/>
-            <a:r>
-              <a:t>    </a:t>
-            </a:r>
-            <a:br/>
-            <a:r>
-              <a:t>    // Template Method - verwendet Factory Method</a:t>
-            </a:r>
-            <a:br/>
-            <a:r>
-              <a:t>    public Customer processNewCustomer(String name, String contractId) {</a:t>
-            </a:r>
-            <a:br/>
-            <a:r>
-              <a:t>        Customer customer = createCustomer(name, contractId);</a:t>
-            </a:r>
-            <a:br/>
-            <a:r>
-              <a:t>        validateContract(customer);</a:t>
-            </a:r>
-            <a:br/>
-            <a:r>
-              <a:t>        persistCustomer(customer);</a:t>
-            </a:r>
-            <a:br/>
-            <a:r>
-              <a:t>        sendWelcomeMessage(customer);</a:t>
-            </a:r>
-            <a:br/>
-            <a:r>
-              <a:t>        return customer;</a:t>
-            </a:r>
-            <a:br/>
-            <a:r>
-              <a:t>    }</a:t>
-            </a:r>
-            <a:br/>
-            <a:r>
-              <a:t>}</a:t>
-            </a:r>
-          </a:p>
-        </p:txBody>
-      </p:sp>
-    </p:spTree>
-  </p:cSld>
-  <p:clrMapOvr>
-    <a:masterClrMapping/>
-  </p:clrMapOvr>
-</p:sld>
-</file>
-
-<file path=ppt/slides/slide6.xml><?xml version="1.0" encoding="utf-8"?>
-<p:sld xmlns:a="http://schemas.openxmlformats.org/drawingml/2006/main" xmlns:p="http://schemas.openxmlformats.org/presentationml/2006/main" xmlns:r="http://schemas.openxmlformats.org/officeDocument/2006/relationships">
-  <p:cSld>
-    <p:spTree>
-      <p:nvGrpSpPr>
-        <p:cNvPr id="1" name=""/>
-        <p:cNvGrpSpPr/>
-        <p:nvPr/>
-      </p:nvGrpSpPr>
-      <p:grpSpPr/>
-      <p:sp>
-        <p:nvSpPr>
-          <p:cNvPr id="2" name="Title 1"/>
-          <p:cNvSpPr>
-            <a:spLocks noGrp="1"/>
-          </p:cNvSpPr>
-          <p:nvPr>
-            <p:ph type="title"/>
-          </p:nvPr>
-        </p:nvSpPr>
-        <p:spPr/>
-        <p:txBody>
-          <a:bodyPr/>
-          <a:lstStyle/>
-          <a:p>
-            <a:r>
-              <a:t>Implementierung - Konkrete Factories</a:t>
-            </a:r>
-          </a:p>
-        </p:txBody>
-      </p:sp>
-      <p:sp>
-        <p:nvSpPr>
-          <p:cNvPr id="3" name="Content Placeholder 2"/>
-          <p:cNvSpPr>
-            <a:spLocks noGrp="1"/>
-          </p:cNvSpPr>
-          <p:nvPr>
-            <p:ph idx="1"/>
-          </p:nvPr>
-        </p:nvSpPr>
-        <p:spPr/>
-        <p:txBody>
-          <a:bodyPr/>
-          <a:lstStyle/>
-          <a:p>
-            <a:pPr>
-              <a:defRPr sz="1100">
-                <a:latin typeface="Consolas"/>
-              </a:defRPr>
-            </a:pPr>
-            <a:r>
-              <a:t>public class PrivateCustomerFactory extends CustomerFactory {</a:t>
-            </a:r>
-            <a:br/>
-            <a:r>
-              <a:t>    @Override</a:t>
-            </a:r>
-            <a:br/>
-            <a:r>
-              <a:t>    protected Customer createCustomer(String name, String contractId) {</a:t>
-            </a:r>
-            <a:br/>
-            <a:r>
-              <a:t>        return new PrivateCustomer(name, contractId);</a:t>
-            </a:r>
-            <a:br/>
-            <a:r>
-              <a:t>    }</a:t>
-            </a:r>
-            <a:br/>
-            <a:r>
-              <a:t>}</a:t>
-            </a:r>
-            <a:br/>
-            <a:br/>
-            <a:r>
-              <a:t>public class BusinessCustomerFactory extends CustomerFactory {</a:t>
-            </a:r>
-            <a:br/>
-            <a:r>
-              <a:t>    @Override</a:t>
-            </a:r>
-            <a:br/>
-            <a:r>
-              <a:t>    protected Customer createCustomer(String name, String contractId) {</a:t>
-            </a:r>
-            <a:br/>
-            <a:r>
-              <a:t>        return new BusinessCustomer(name, contractId);</a:t>
-            </a:r>
-            <a:br/>
-            <a:r>
-              <a:t>    }</a:t>
-            </a:r>
-            <a:br/>
-            <a:r>
-              <a:t>}</a:t>
-            </a:r>
-          </a:p>
-        </p:txBody>
-      </p:sp>
-    </p:spTree>
-  </p:cSld>
-  <p:clrMapOvr>
-    <a:masterClrMapping/>
-  </p:clrMapOvr>
-</p:sld>
-</file>
-
-<file path=ppt/slides/slide7.xml><?xml version="1.0" encoding="utf-8"?>
-<p:sld xmlns:a="http://schemas.openxmlformats.org/drawingml/2006/main" xmlns:p="http://schemas.openxmlformats.org/presentationml/2006/main" xmlns:r="http://schemas.openxmlformats.org/officeDocument/2006/relationships">
-  <p:cSld>
-    <p:spTree>
-      <p:nvGrpSpPr>
-        <p:cNvPr id="1" name=""/>
-        <p:cNvGrpSpPr/>
-        <p:nvPr/>
-      </p:nvGrpSpPr>
-      <p:grpSpPr/>
-      <p:sp>
-        <p:nvSpPr>
-          <p:cNvPr id="2" name="Title 1"/>
-          <p:cNvSpPr>
-            <a:spLocks noGrp="1"/>
-          </p:cNvSpPr>
-          <p:nvPr>
-            <p:ph type="title"/>
-          </p:nvPr>
-        </p:nvSpPr>
-        <p:spPr/>
-        <p:txBody>
-          <a:bodyPr/>
-          <a:lstStyle/>
-          <a:p>
-            <a:r>
-              <a:t>Abstract Factory - Was ist hier schlecht?</a:t>
-            </a:r>
-          </a:p>
-        </p:txBody>
-      </p:sp>
-      <p:sp>
-        <p:nvSpPr>
-          <p:cNvPr id="3" name="Content Placeholder 2"/>
-          <p:cNvSpPr>
-            <a:spLocks noGrp="1"/>
-          </p:cNvSpPr>
-          <p:nvPr>
-            <p:ph idx="1"/>
-          </p:nvPr>
-        </p:nvSpPr>
-        <p:spPr/>
-        <p:txBody>
-          <a:bodyPr/>
-          <a:lstStyle/>
-          <a:p>
-            <a:pPr>
-              <a:defRPr sz="1000">
-                <a:latin typeface="Consolas"/>
-              </a:defRPr>
-            </a:pPr>
-            <a:r>
-              <a:t>public class CustomerService {</a:t>
-            </a:r>
-            <a:br/>
-            <a:r>
-              <a:t>    public CustomerData getCustomer(String customerId, String channel) {</a:t>
-            </a:r>
-            <a:br/>
-            <a:r>
-              <a:t>        if ("WEB".equals(channel)) {</a:t>
-            </a:r>
-            <a:br/>
-            <a:r>
-              <a:t>            WebAuthService webAuth = new WebAuthService();</a:t>
-            </a:r>
-            <a:br/>
-            <a:r>
-              <a:t>            if (!webAuth.validateSession(getCurrentSession())) {</a:t>
-            </a:r>
-            <a:br/>
-            <a:r>
-              <a:t>                throw new AuthenticationException();</a:t>
-            </a:r>
-            <a:br/>
-            <a:r>
-              <a:t>            }</a:t>
-            </a:r>
-            <a:br/>
-            <a:r>
-              <a:t>            WebCustomerAPI webAPI = new WebCustomerAPI();</a:t>
-            </a:r>
-            <a:br/>
-            <a:r>
-              <a:t>            return webAPI.getCustomerData(customerId);</a:t>
-            </a:r>
-            <a:br/>
-            <a:r>
-              <a:t>        } else if ("MOBILE".equals(channel)) {</a:t>
-            </a:r>
-            <a:br/>
-            <a:r>
-              <a:t>            MobileOAuthService mobileAuth = new MobileOAuthService();</a:t>
-            </a:r>
-            <a:br/>
-            <a:r>
-              <a:t>            if (!mobileAuth.validateToken(getCurrentToken())) {</a:t>
-            </a:r>
-            <a:br/>
-            <a:r>
-              <a:t>                throw new AuthenticationException();</a:t>
-            </a:r>
-            <a:br/>
-            <a:r>
-              <a:t>            }</a:t>
-            </a:r>
-            <a:br/>
-            <a:r>
-              <a:t>            MobileCustomerAPI mobileAPI = new MobileCustomerAPI();</a:t>
-            </a:r>
-            <a:br/>
-            <a:r>
-              <a:t>            return transformMobileResponse(mobileAPI.getCustomer(customerId));</a:t>
-            </a:r>
-            <a:br/>
-            <a:r>
-              <a:t>        }</a:t>
-            </a:r>
-            <a:br/>
-            <a:r>
-              <a:t>        throw new IllegalArgumentException("Unsupported channel: " + channel);</a:t>
-            </a:r>
-            <a:br/>
-            <a:r>
-              <a:t>    }</a:t>
-            </a:r>
-            <a:br/>
-            <a:r>
-              <a:t>}</a:t>
-            </a:r>
-          </a:p>
-        </p:txBody>
-      </p:sp>
-    </p:spTree>
-  </p:cSld>
-  <p:clrMapOvr>
-    <a:masterClrMapping/>
-  </p:clrMapOvr>
-</p:sld>
-</file>
-
-<file path=ppt/slides/slide8.xml><?xml version="1.0" encoding="utf-8"?>
-<p:sld xmlns:a="http://schemas.openxmlformats.org/drawingml/2006/main" xmlns:p="http://schemas.openxmlformats.org/presentationml/2006/main" xmlns:r="http://schemas.openxmlformats.org/officeDocument/2006/relationships">
-  <p:cSld>
-    <p:spTree>
-      <p:nvGrpSpPr>
-        <p:cNvPr id="1" name=""/>
-        <p:cNvGrpSpPr/>
-        <p:nvPr/>
-      </p:nvGrpSpPr>
-      <p:grpSpPr/>
-      <p:sp>
-        <p:nvSpPr>
-          <p:cNvPr id="2" name="Title 1"/>
-          <p:cNvSpPr>
-            <a:spLocks noGrp="1"/>
-          </p:cNvSpPr>
-          <p:nvPr>
-            <p:ph type="title"/>
-          </p:nvPr>
-        </p:nvSpPr>
-        <p:spPr/>
-        <p:txBody>
-          <a:bodyPr/>
-          <a:lstStyle/>
-          <a:p>
-            <a:r>
-              <a:t>Code Smells identifiziert</a:t>
-            </a:r>
-          </a:p>
-        </p:txBody>
-      </p:sp>
-      <p:sp>
-        <p:nvSpPr>
-          <p:cNvPr id="3" name="Content Placeholder 2"/>
-          <p:cNvSpPr>
-            <a:spLocks noGrp="1"/>
-          </p:cNvSpPr>
-          <p:nvPr>
-            <p:ph idx="1"/>
-          </p:nvPr>
-        </p:nvSpPr>
-        <p:spPr/>
-        <p:txBody>
-          <a:bodyPr/>
-          <a:lstStyle/>
-          <a:p>
-            <a:pPr/>
-            <a:r>
-              <a:t>God Object: Eine Klasse kennt alle Implementierungen</a:t>
-            </a:r>
-          </a:p>
-          <a:p>
-            <a:pPr/>
-            <a:r>
-              <a:t>Switch Statement: Kanal-basierte Verzweigung</a:t>
-            </a:r>
-          </a:p>
-          <a:p>
-            <a:pPr/>
-            <a:r>
-              <a:t>Tight Coupling: Direkte Abhängigkeiten zu konkreten Implementierungen</a:t>
-            </a:r>
-          </a:p>
-          <a:p>
-            <a:pPr/>
-            <a:r>
-              <a:t>Interface Segregation Verletzung: Ein Service für alle Kanäle</a:t>
-            </a:r>
-          </a:p>
-          <a:p>
-            <a:pPr/>
-            <a:r>
-              <a:t>Open/Closed Principle Verletzung: Neue Kanäle erfordern Änderungen</a:t>
-            </a:r>
-          </a:p>
-        </p:txBody>
-      </p:sp>
-    </p:spTree>
-  </p:cSld>
-  <p:clrMapOvr>
-    <a:masterClrMapping/>
-  </p:clrMapOvr>
-</p:sld>
-</file>
-
-<file path=ppt/slides/slide9.xml><?xml version="1.0" encoding="utf-8"?>
-<p:sld xmlns:a="http://schemas.openxmlformats.org/drawingml/2006/main" xmlns:p="http://schemas.openxmlformats.org/presentationml/2006/main" xmlns:r="http://schemas.openxmlformats.org/officeDocument/2006/relationships">
-  <p:cSld>
-    <p:spTree>
-      <p:nvGrpSpPr>
-        <p:cNvPr id="1" name=""/>
-        <p:cNvGrpSpPr/>
-        <p:nvPr/>
-      </p:nvGrpSpPr>
-      <p:grpSpPr/>
-      <p:sp>
-        <p:nvSpPr>
-          <p:cNvPr id="2" name="Title 1"/>
-          <p:cNvSpPr>
-            <a:spLocks noGrp="1"/>
-          </p:cNvSpPr>
-          <p:nvPr>
-            <p:ph type="title"/>
-          </p:nvPr>
-        </p:nvSpPr>
-        <p:spPr/>
-        <p:txBody>
-          <a:bodyPr/>
-          <a:lstStyle/>
-          <a:p>
-            <a:r>
-              <a:t>Lösung: Abstract Factory Pattern</a:t>
-            </a:r>
-          </a:p>
-        </p:txBody>
-      </p:sp>
-      <p:sp>
-        <p:nvSpPr>
-          <p:cNvPr id="3" name="Content Placeholder 2"/>
-          <p:cNvSpPr>
-            <a:spLocks noGrp="1"/>
-          </p:cNvSpPr>
-          <p:nvPr>
-            <p:ph idx="1"/>
-          </p:nvPr>
-        </p:nvSpPr>
-        <p:spPr/>
-        <p:txBody>
-          <a:bodyPr/>
-          <a:lstStyle/>
-          <a:p>
-            <a:pPr/>
-            <a:r>
-              <a:t>Schnittstelle für Familien verwandter Objekte</a:t>
-            </a:r>
-          </a:p>
-          <a:p>
-            <a:pPr/>
-            <a:r>
-              <a:t>Keine Spezifikation konkreter Klassen</a:t>
-            </a:r>
-          </a:p>
-          <a:p>
-            <a:pPr/>
-            <a:r>
-              <a:t>Konsistente Service-APIs über alle Kanäle</a:t>
-            </a:r>
-          </a:p>
-          <a:p>
-            <a:pPr/>
-            <a:r>
-              <a:t>Einfache Erweiterung um neue Kanäle</a:t>
-            </a:r>
-          </a:p>
-          <a:p>
-            <a:pPr/>
-            <a:r>
-              <a:t>Service-Familie wird zusammen erstellt</a:t>
-            </a:r>
-          </a:p>
-          <a:p>
-            <a:pPr/>
-            <a:r>
-              <a:t>Klare Trennung zwischen Kanal-Logik und Geschäftslogik</a:t>
-            </a:r>
-          </a:p>
-        </p:txBody>
-      </p:sp>
-    </p:spTree>
-  </p:cSld>
-  <p:clrMapOvr>
-    <a:masterClrMapping/>
-  </p:clrMapOvr>
+  <p:timing>
+    <p:tnLst>
+      <p:par>
+        <p:cTn id="1" dur="indefinite" restart="never" nodeType="tmRoot">
+          <p:childTnLst>
+            <p:seq concurrent="1" nextAc="seek">
+              <p:cTn id="2" dur="indefinite" nodeType="mainSeq">
+                <p:childTnLst>
+                  <p:par>
+                    <p:cTn id="3" fill="hold">
+                      <p:stCondLst>
+                        <p:cond delay="indefinite"/>
+                      </p:stCondLst>
+                      <p:childTnLst>
+                        <p:par>
+                          <p:cTn id="4" fill="hold">
+                            <p:stCondLst>
+                              <p:cond delay="0"/>
+                            </p:stCondLst>
+                            <p:childTnLst>
+                              <p:par>
+                                <p:cTn id="5" presetID="1" presetClass="entr" presetSubtype="0" fill="hold" nodeType="clickEffect">
+                                  <p:stCondLst>
+                                    <p:cond delay="0"/>
+                                  </p:stCondLst>
+                                  <p:childTnLst>
+                                    <p:set>
+                                      <p:cBhvr>
+                                        <p:cTn id="6" dur="1" fill="hold">
+                                          <p:stCondLst>
+                                            <p:cond delay="0"/>
+                                          </p:stCondLst>
+                                        </p:cTn>
+                                        <p:tgtEl>
+                                          <p:spTgt spid="3">
+                                            <p:txEl>
+                                              <p:pRg st="0" end="0"/>
+                                            </p:txEl>
+                                          </p:spTgt>
+                                        </p:tgtEl>
+                                        <p:attrNameLst>
+                                          <p:attrName>style.visibility</p:attrName>
+                                        </p:attrNameLst>
+                                      </p:cBhvr>
+                                      <p:to>
+                                        <p:strVal val="visible"/>
+                                      </p:to>
+                                    </p:set>
+                                  </p:childTnLst>
+                                </p:cTn>
+                              </p:par>
+                            </p:childTnLst>
+                          </p:cTn>
+                        </p:par>
+                      </p:childTnLst>
+                    </p:cTn>
+                  </p:par>
+                  <p:par>
+                    <p:cTn id="7" fill="hold">
+                      <p:stCondLst>
+                        <p:cond delay="indefinite"/>
+                      </p:stCondLst>
+                      <p:childTnLst>
+                        <p:par>
+                          <p:cTn id="8" fill="hold">
+                            <p:stCondLst>
+                              <p:cond delay="0"/>
+                            </p:stCondLst>
+                            <p:childTnLst>
+                              <p:par>
+                                <p:cTn id="9" presetID="1" presetClass="entr" presetSubtype="0" fill="hold" nodeType="clickEffect">
+                                  <p:stCondLst>
+                                    <p:cond delay="0"/>
+                                  </p:stCondLst>
+                                  <p:childTnLst>
+                                    <p:set>
+                                      <p:cBhvr>
+                                        <p:cTn id="10" dur="1" fill="hold">
+                                          <p:stCondLst>
+                                            <p:cond delay="0"/>
+                                          </p:stCondLst>
+                                        </p:cTn>
+                                        <p:tgtEl>
+                                          <p:spTgt spid="3">
+                                            <p:txEl>
+                                              <p:pRg st="1" end="1"/>
+                                            </p:txEl>
+                                          </p:spTgt>
+                                        </p:tgtEl>
+                                        <p:attrNameLst>
+                                          <p:attrName>style.visibility</p:attrName>
+                                        </p:attrNameLst>
+                                      </p:cBhvr>
+                                      <p:to>
+                                        <p:strVal val="visible"/>
+                                      </p:to>
+                                    </p:set>
+                                  </p:childTnLst>
+                                </p:cTn>
+                              </p:par>
+                            </p:childTnLst>
+                          </p:cTn>
+                        </p:par>
+                      </p:childTnLst>
+                    </p:cTn>
+                  </p:par>
+                  <p:par>
+                    <p:cTn id="11" fill="hold">
+                      <p:stCondLst>
+                        <p:cond delay="indefinite"/>
+                      </p:stCondLst>
+                      <p:childTnLst>
+                        <p:par>
+                          <p:cTn id="12" fill="hold">
+                            <p:stCondLst>
+                              <p:cond delay="0"/>
+                            </p:stCondLst>
+                            <p:childTnLst>
+                              <p:par>
+                                <p:cTn id="13" presetID="1" presetClass="entr" presetSubtype="0" fill="hold" nodeType="clickEffect">
+                                  <p:stCondLst>
+                                    <p:cond delay="0"/>
+                                  </p:stCondLst>
+                                  <p:childTnLst>
+                                    <p:set>
+                                      <p:cBhvr>
+                                        <p:cTn id="14" dur="1" fill="hold">
+                                          <p:stCondLst>
+                                            <p:cond delay="0"/>
+                                          </p:stCondLst>
+                                        </p:cTn>
+                                        <p:tgtEl>
+                                          <p:spTgt spid="3">
+                                            <p:txEl>
+                                              <p:pRg st="2" end="2"/>
+                                            </p:txEl>
+                                          </p:spTgt>
+                                        </p:tgtEl>
+                                        <p:attrNameLst>
+                                          <p:attrName>style.visibility</p:attrName>
+                                        </p:attrNameLst>
+                                      </p:cBhvr>
+                                      <p:to>
+                                        <p:strVal val="visible"/>
+                                      </p:to>
+                                    </p:set>
+                                  </p:childTnLst>
+                                </p:cTn>
+                              </p:par>
+                            </p:childTnLst>
+                          </p:cTn>
+                        </p:par>
+                      </p:childTnLst>
+                    </p:cTn>
+                  </p:par>
+                  <p:par>
+                    <p:cTn id="15" fill="hold">
+                      <p:stCondLst>
+                        <p:cond delay="indefinite"/>
+                      </p:stCondLst>
+                      <p:childTnLst>
+                        <p:par>
+                          <p:cTn id="16" fill="hold">
+                            <p:stCondLst>
+                              <p:cond delay="0"/>
+                            </p:stCondLst>
+                            <p:childTnLst>
+                              <p:par>
+                                <p:cTn id="17" presetID="1" presetClass="entr" presetSubtype="0" fill="hold" nodeType="clickEffect">
+                                  <p:stCondLst>
+                                    <p:cond delay="0"/>
+                                  </p:stCondLst>
+                                  <p:childTnLst>
+                                    <p:set>
+                                      <p:cBhvr>
+                                        <p:cTn id="18" dur="1" fill="hold">
+                                          <p:stCondLst>
+                                            <p:cond delay="0"/>
+                                          </p:stCondLst>
+                                        </p:cTn>
+                                        <p:tgtEl>
+                                          <p:spTgt spid="3">
+                                            <p:txEl>
+                                              <p:pRg st="3" end="3"/>
+                                            </p:txEl>
+                                          </p:spTgt>
+                                        </p:tgtEl>
+                                        <p:attrNameLst>
+                                          <p:attrName>style.visibility</p:attrName>
+                                        </p:attrNameLst>
+                                      </p:cBhvr>
+                                      <p:to>
+                                        <p:strVal val="visible"/>
+                                      </p:to>
+                                    </p:set>
+                                  </p:childTnLst>
+                                </p:cTn>
+                              </p:par>
+                            </p:childTnLst>
+                          </p:cTn>
+                        </p:par>
+                      </p:childTnLst>
+                    </p:cTn>
+                  </p:par>
+                  <p:par>
+                    <p:cTn id="19" fill="hold">
+                      <p:stCondLst>
+                        <p:cond delay="indefinite"/>
+                      </p:stCondLst>
+                      <p:childTnLst>
+                        <p:par>
+                          <p:cTn id="20" fill="hold">
+                            <p:stCondLst>
+                              <p:cond delay="0"/>
+                            </p:stCondLst>
+                            <p:childTnLst>
+                              <p:par>
+                                <p:cTn id="21" presetID="1" presetClass="entr" presetSubtype="0" fill="hold" nodeType="clickEffect">
+                                  <p:stCondLst>
+                                    <p:cond delay="0"/>
+                                  </p:stCondLst>
+                                  <p:childTnLst>
+                                    <p:set>
+                                      <p:cBhvr>
+                                        <p:cTn id="22" dur="1" fill="hold">
+                                          <p:stCondLst>
+                                            <p:cond delay="0"/>
+                                          </p:stCondLst>
+                                        </p:cTn>
+                                        <p:tgtEl>
+                                          <p:spTgt spid="3">
+                                            <p:txEl>
+                                              <p:pRg st="4" end="4"/>
+                                            </p:txEl>
+                                          </p:spTgt>
+                                        </p:tgtEl>
+                                        <p:attrNameLst>
+                                          <p:attrName>style.visibility</p:attrName>
+                                        </p:attrNameLst>
+                                      </p:cBhvr>
+                                      <p:to>
+                                        <p:strVal val="visible"/>
+                                      </p:to>
+                                    </p:set>
+                                  </p:childTnLst>
+                                </p:cTn>
+                              </p:par>
+                            </p:childTnLst>
+                          </p:cTn>
+                        </p:par>
+                      </p:childTnLst>
+                    </p:cTn>
+                  </p:par>
+                  <p:par>
+                    <p:cTn id="23" fill="hold">
+                      <p:stCondLst>
+                        <p:cond delay="indefinite"/>
+                      </p:stCondLst>
+                      <p:childTnLst>
+                        <p:par>
+                          <p:cTn id="24" fill="hold">
+                            <p:stCondLst>
+                              <p:cond delay="0"/>
+                            </p:stCondLst>
+                            <p:childTnLst>
+                              <p:par>
+                                <p:cTn id="25" presetID="1" presetClass="entr" presetSubtype="0" fill="hold" nodeType="clickEffect">
+                                  <p:stCondLst>
+                                    <p:cond delay="0"/>
+                                  </p:stCondLst>
+                                  <p:childTnLst>
+                                    <p:set>
+                                      <p:cBhvr>
+                                        <p:cTn id="26" dur="1" fill="hold">
+                                          <p:stCondLst>
+                                            <p:cond delay="0"/>
+                                          </p:stCondLst>
+                                        </p:cTn>
+                                        <p:tgtEl>
+                                          <p:spTgt spid="3">
+                                            <p:txEl>
+                                              <p:pRg st="5" end="5"/>
+                                            </p:txEl>
+                                          </p:spTgt>
+                                        </p:tgtEl>
+                                        <p:attrNameLst>
+                                          <p:attrName>style.visibility</p:attrName>
+                                        </p:attrNameLst>
+                                      </p:cBhvr>
+                                      <p:to>
+                                        <p:strVal val="visible"/>
+                                      </p:to>
+                                    </p:set>
+                                  </p:childTnLst>
+                                </p:cTn>
+                              </p:par>
+                            </p:childTnLst>
+                          </p:cTn>
+                        </p:par>
+                      </p:childTnLst>
+                    </p:cTn>
+                  </p:par>
+                </p:childTnLst>
+              </p:cTn>
+              <p:prevCondLst>
+                <p:cond evt="onPrev" delay="0">
+                  <p:tgtEl>
+                    <p:sldTgt/>
+                  </p:tgtEl>
+                </p:cond>
+              </p:prevCondLst>
+              <p:nextCondLst>
+                <p:cond evt="onNext" delay="0">
+                  <p:tgtEl>
+                    <p:sldTgt/>
+                  </p:tgtEl>
+                </p:cond>
+              </p:nextCondLst>
+            </p:seq>
+          </p:childTnLst>
+        </p:cTn>
+      </p:par>
+    </p:tnLst>
+  </p:timing>
 </p:sld>
 </file>
 
@@ -6183,44 +8532,44 @@
         <a:sysClr val="window" lastClr="FFFFFF"/>
       </a:lt1>
       <a:dk2>
-        <a:srgbClr val="1F497D"/>
+        <a:srgbClr val="0E2841"/>
       </a:dk2>
       <a:lt2>
-        <a:srgbClr val="EEECE1"/>
+        <a:srgbClr val="E8E8E8"/>
       </a:lt2>
       <a:accent1>
-        <a:srgbClr val="4F81BD"/>
+        <a:srgbClr val="156082"/>
       </a:accent1>
       <a:accent2>
-        <a:srgbClr val="C0504D"/>
+        <a:srgbClr val="E97132"/>
       </a:accent2>
       <a:accent3>
-        <a:srgbClr val="9BBB59"/>
+        <a:srgbClr val="196B24"/>
       </a:accent3>
       <a:accent4>
-        <a:srgbClr val="8064A2"/>
+        <a:srgbClr val="0F9ED5"/>
       </a:accent4>
       <a:accent5>
-        <a:srgbClr val="4BACC6"/>
+        <a:srgbClr val="A02B93"/>
       </a:accent5>
       <a:accent6>
-        <a:srgbClr val="F79646"/>
+        <a:srgbClr val="4EA72E"/>
       </a:accent6>
       <a:hlink>
-        <a:srgbClr val="0000FF"/>
+        <a:srgbClr val="467886"/>
       </a:hlink>
       <a:folHlink>
-        <a:srgbClr val="800080"/>
+        <a:srgbClr val="96607D"/>
       </a:folHlink>
     </a:clrScheme>
     <a:fontScheme name="Office">
       <a:majorFont>
-        <a:latin typeface="Calibri"/>
+        <a:latin typeface="Aptos Display" panose="02110004020202020204"/>
         <a:ea typeface=""/>
         <a:cs typeface=""/>
-        <a:font script="Jpan" typeface="ＭＳ Ｐゴシック"/>
+        <a:font script="Jpan" typeface="游ゴシック Light"/>
         <a:font script="Hang" typeface="맑은 고딕"/>
-        <a:font script="Hans" typeface="宋体"/>
+        <a:font script="Hans" typeface="等线 Light"/>
         <a:font script="Hant" typeface="新細明體"/>
         <a:font script="Arab" typeface="Times New Roman"/>
         <a:font script="Hebr" typeface="Times New Roman"/>
@@ -6248,14 +8597,31 @@
         <a:font script="Viet" typeface="Times New Roman"/>
         <a:font script="Uigh" typeface="Microsoft Uighur"/>
         <a:font script="Geor" typeface="Sylfaen"/>
+        <a:font script="Armn" typeface="Arial"/>
+        <a:font script="Bugi" typeface="Leelawadee UI"/>
+        <a:font script="Bopo" typeface="Microsoft JhengHei"/>
+        <a:font script="Java" typeface="Javanese Text"/>
+        <a:font script="Lisu" typeface="Segoe UI"/>
+        <a:font script="Mymr" typeface="Myanmar Text"/>
+        <a:font script="Nkoo" typeface="Ebrima"/>
+        <a:font script="Olck" typeface="Nirmala UI"/>
+        <a:font script="Osma" typeface="Ebrima"/>
+        <a:font script="Phag" typeface="Phagspa"/>
+        <a:font script="Syrn" typeface="Estrangelo Edessa"/>
+        <a:font script="Syrj" typeface="Estrangelo Edessa"/>
+        <a:font script="Syre" typeface="Estrangelo Edessa"/>
+        <a:font script="Sora" typeface="Nirmala UI"/>
+        <a:font script="Tale" typeface="Microsoft Tai Le"/>
+        <a:font script="Talu" typeface="Microsoft New Tai Lue"/>
+        <a:font script="Tfng" typeface="Ebrima"/>
       </a:majorFont>
       <a:minorFont>
-        <a:latin typeface="Calibri"/>
+        <a:latin typeface="Aptos" panose="02110004020202020204"/>
         <a:ea typeface=""/>
         <a:cs typeface=""/>
-        <a:font script="Jpan" typeface="ＭＳ Ｐゴシック"/>
+        <a:font script="Jpan" typeface="游ゴシック"/>
         <a:font script="Hang" typeface="맑은 고딕"/>
-        <a:font script="Hans" typeface="宋体"/>
+        <a:font script="Hans" typeface="等线"/>
         <a:font script="Hant" typeface="新細明體"/>
         <a:font script="Arab" typeface="Arial"/>
         <a:font script="Hebr" typeface="Arial"/>
@@ -6283,6 +8649,23 @@
         <a:font script="Viet" typeface="Arial"/>
         <a:font script="Uigh" typeface="Microsoft Uighur"/>
         <a:font script="Geor" typeface="Sylfaen"/>
+        <a:font script="Armn" typeface="Arial"/>
+        <a:font script="Bugi" typeface="Leelawadee UI"/>
+        <a:font script="Bopo" typeface="Microsoft JhengHei"/>
+        <a:font script="Java" typeface="Javanese Text"/>
+        <a:font script="Lisu" typeface="Segoe UI"/>
+        <a:font script="Mymr" typeface="Myanmar Text"/>
+        <a:font script="Nkoo" typeface="Ebrima"/>
+        <a:font script="Olck" typeface="Nirmala UI"/>
+        <a:font script="Osma" typeface="Ebrima"/>
+        <a:font script="Phag" typeface="Phagspa"/>
+        <a:font script="Syrn" typeface="Estrangelo Edessa"/>
+        <a:font script="Syrj" typeface="Estrangelo Edessa"/>
+        <a:font script="Syre" typeface="Estrangelo Edessa"/>
+        <a:font script="Sora" typeface="Nirmala UI"/>
+        <a:font script="Tale" typeface="Microsoft Tai Le"/>
+        <a:font script="Talu" typeface="Microsoft New Tai Lue"/>
+        <a:font script="Tfng" typeface="Ebrima"/>
       </a:minorFont>
     </a:fontScheme>
     <a:fmtScheme name="Office">
@@ -6294,180 +8677,136 @@
           <a:gsLst>
             <a:gs pos="0">
               <a:schemeClr val="phClr">
-                <a:tint val="50000"/>
-                <a:satMod val="300000"/>
+                <a:lumMod val="110000"/>
+                <a:satMod val="105000"/>
+                <a:tint val="67000"/>
               </a:schemeClr>
             </a:gs>
-            <a:gs pos="35000">
+            <a:gs pos="50000">
               <a:schemeClr val="phClr">
-                <a:tint val="37000"/>
-                <a:satMod val="300000"/>
+                <a:lumMod val="105000"/>
+                <a:satMod val="103000"/>
+                <a:tint val="73000"/>
               </a:schemeClr>
             </a:gs>
             <a:gs pos="100000">
               <a:schemeClr val="phClr">
-                <a:tint val="15000"/>
-                <a:satMod val="350000"/>
+                <a:lumMod val="105000"/>
+                <a:satMod val="109000"/>
+                <a:tint val="81000"/>
               </a:schemeClr>
             </a:gs>
           </a:gsLst>
-          <a:lin ang="16200000" scaled="1"/>
+          <a:lin ang="5400000" scaled="0"/>
         </a:gradFill>
         <a:gradFill rotWithShape="1">
           <a:gsLst>
             <a:gs pos="0">
               <a:schemeClr val="phClr">
-                <a:tint val="100000"/>
+                <a:satMod val="103000"/>
+                <a:lumMod val="102000"/>
+                <a:tint val="94000"/>
+              </a:schemeClr>
+            </a:gs>
+            <a:gs pos="50000">
+              <a:schemeClr val="phClr">
+                <a:satMod val="110000"/>
+                <a:lumMod val="100000"/>
                 <a:shade val="100000"/>
-                <a:satMod val="130000"/>
               </a:schemeClr>
             </a:gs>
             <a:gs pos="100000">
               <a:schemeClr val="phClr">
-                <a:tint val="50000"/>
-                <a:shade val="100000"/>
-                <a:satMod val="350000"/>
+                <a:lumMod val="99000"/>
+                <a:satMod val="120000"/>
+                <a:shade val="78000"/>
               </a:schemeClr>
             </a:gs>
           </a:gsLst>
-          <a:lin ang="16200000" scaled="0"/>
+          <a:lin ang="5400000" scaled="0"/>
         </a:gradFill>
       </a:fillStyleLst>
       <a:lnStyleLst>
-        <a:ln w="9525" cap="flat" cmpd="sng" algn="ctr">
+        <a:ln w="12700" cap="flat" cmpd="sng" algn="ctr">
           <a:solidFill>
-            <a:schemeClr val="phClr">
-              <a:shade val="95000"/>
-              <a:satMod val="105000"/>
-            </a:schemeClr>
+            <a:schemeClr val="phClr"/>
           </a:solidFill>
           <a:prstDash val="solid"/>
+          <a:miter lim="800000"/>
+        </a:ln>
+        <a:ln w="19050" cap="flat" cmpd="sng" algn="ctr">
+          <a:solidFill>
+            <a:schemeClr val="phClr"/>
+          </a:solidFill>
+          <a:prstDash val="solid"/>
+          <a:miter lim="800000"/>
         </a:ln>
         <a:ln w="25400" cap="flat" cmpd="sng" algn="ctr">
           <a:solidFill>
             <a:schemeClr val="phClr"/>
           </a:solidFill>
           <a:prstDash val="solid"/>
-        </a:ln>
-        <a:ln w="38100" cap="flat" cmpd="sng" algn="ctr">
-          <a:solidFill>
-            <a:schemeClr val="phClr"/>
-          </a:solidFill>
-          <a:prstDash val="solid"/>
+          <a:miter lim="800000"/>
         </a:ln>
       </a:lnStyleLst>
       <a:effectStyleLst>
         <a:effectStyle>
+          <a:effectLst/>
+        </a:effectStyle>
+        <a:effectStyle>
+          <a:effectLst/>
+        </a:effectStyle>
+        <a:effectStyle>
           <a:effectLst>
-            <a:outerShdw blurRad="40000" dist="20000" dir="5400000" rotWithShape="0">
+            <a:outerShdw blurRad="57150" dist="19050" dir="5400000" algn="ctr" rotWithShape="0">
               <a:srgbClr val="000000">
-                <a:alpha val="38000"/>
+                <a:alpha val="63000"/>
               </a:srgbClr>
             </a:outerShdw>
           </a:effectLst>
-        </a:effectStyle>
-        <a:effectStyle>
-          <a:effectLst>
-            <a:outerShdw blurRad="40000" dist="23000" dir="5400000" rotWithShape="0">
-              <a:srgbClr val="000000">
-                <a:alpha val="35000"/>
-              </a:srgbClr>
-            </a:outerShdw>
-          </a:effectLst>
-        </a:effectStyle>
-        <a:effectStyle>
-          <a:effectLst>
-            <a:outerShdw blurRad="40000" dist="23000" dir="5400000" rotWithShape="0">
-              <a:srgbClr val="000000">
-                <a:alpha val="35000"/>
-              </a:srgbClr>
-            </a:outerShdw>
-          </a:effectLst>
-          <a:scene3d>
-            <a:camera prst="orthographicFront">
-              <a:rot lat="0" lon="0" rev="0"/>
-            </a:camera>
-            <a:lightRig rig="threePt" dir="t">
-              <a:rot lat="0" lon="0" rev="1200000"/>
-            </a:lightRig>
-          </a:scene3d>
-          <a:sp3d>
-            <a:bevelT w="63500" h="25400"/>
-          </a:sp3d>
         </a:effectStyle>
       </a:effectStyleLst>
       <a:bgFillStyleLst>
         <a:solidFill>
           <a:schemeClr val="phClr"/>
         </a:solidFill>
+        <a:solidFill>
+          <a:schemeClr val="phClr">
+            <a:tint val="95000"/>
+            <a:satMod val="170000"/>
+          </a:schemeClr>
+        </a:solidFill>
         <a:gradFill rotWithShape="1">
           <a:gsLst>
             <a:gs pos="0">
               <a:schemeClr val="phClr">
-                <a:tint val="40000"/>
-                <a:satMod val="350000"/>
+                <a:tint val="93000"/>
+                <a:satMod val="150000"/>
+                <a:shade val="98000"/>
+                <a:lumMod val="102000"/>
               </a:schemeClr>
             </a:gs>
-            <a:gs pos="40000">
+            <a:gs pos="50000">
               <a:schemeClr val="phClr">
-                <a:tint val="45000"/>
-                <a:shade val="99000"/>
-                <a:satMod val="350000"/>
+                <a:tint val="98000"/>
+                <a:satMod val="130000"/>
+                <a:shade val="90000"/>
+                <a:lumMod val="103000"/>
               </a:schemeClr>
             </a:gs>
             <a:gs pos="100000">
               <a:schemeClr val="phClr">
-                <a:shade val="20000"/>
-                <a:satMod val="255000"/>
+                <a:shade val="63000"/>
+                <a:satMod val="120000"/>
               </a:schemeClr>
             </a:gs>
           </a:gsLst>
-          <a:path path="circle">
-            <a:fillToRect l="50000" t="-80000" r="50000" b="180000"/>
-          </a:path>
-        </a:gradFill>
-        <a:gradFill rotWithShape="1">
-          <a:gsLst>
-            <a:gs pos="0">
-              <a:schemeClr val="phClr">
-                <a:tint val="80000"/>
-                <a:satMod val="300000"/>
-              </a:schemeClr>
-            </a:gs>
-            <a:gs pos="100000">
-              <a:schemeClr val="phClr">
-                <a:shade val="30000"/>
-                <a:satMod val="200000"/>
-              </a:schemeClr>
-            </a:gs>
-          </a:gsLst>
-          <a:path path="circle">
-            <a:fillToRect l="50000" t="50000" r="50000" b="50000"/>
-          </a:path>
+          <a:lin ang="5400000" scaled="0"/>
         </a:gradFill>
       </a:bgFillStyleLst>
     </a:fmtScheme>
   </a:themeElements>
   <a:objectDefaults>
-    <a:spDef>
-      <a:spPr/>
-      <a:bodyPr/>
-      <a:lstStyle/>
-      <a:style>
-        <a:lnRef idx="1">
-          <a:schemeClr val="accent1"/>
-        </a:lnRef>
-        <a:fillRef idx="3">
-          <a:schemeClr val="accent1"/>
-        </a:fillRef>
-        <a:effectRef idx="2">
-          <a:schemeClr val="accent1"/>
-        </a:effectRef>
-        <a:fontRef idx="minor">
-          <a:schemeClr val="lt1"/>
-        </a:fontRef>
-      </a:style>
-    </a:spDef>
     <a:lnDef>
       <a:spPr/>
       <a:bodyPr/>
@@ -6489,5 +8828,10 @@
     </a:lnDef>
   </a:objectDefaults>
   <a:extraClrSchemeLst/>
+  <a:extLst>
+    <a:ext uri="{05A4C25C-085E-4340-85A3-A5531E510DB2}">
+      <thm15:themeFamily xmlns:thm15="http://schemas.microsoft.com/office/thememl/2012/main" name="Office Theme" id="{2E142A2C-CD16-42D6-873A-C26D2A0506FA}" vid="{1BDDFF52-6CD6-40A5-AB3C-68EB2F1E4D0A}"/>
+    </a:ext>
+  </a:extLst>
 </a:theme>
 </file>